--- a/seminar/presentation/mps.pptx
+++ b/seminar/presentation/mps.pptx
@@ -209,7 +209,7 @@
               <a:defRPr sz="1400"/>
             </a:pPr>
             <a:fld id="{9C06F1D8-52EA-468A-8DA3-D209F8B3193C}" type="datetimeFigureOut">
-              <a:t>5/9/2012</a:t>
+              <a:t>14.05.12</a:t>
             </a:fld>
             <a:endParaRPr lang="en-US" sz="1300">
               <a:latin typeface="Arial" pitchFamily="18"/>
@@ -468,7 +468,7 @@
           <a:p>
             <a:pPr lvl="0"/>
             <a:fld id="{714C14A8-6441-43BE-82E8-D5D4BAADF4E1}" type="datetimeFigureOut">
-              <a:t>5/9/2012</a:t>
+              <a:t>14.05.12</a:t>
             </a:fld>
             <a:endParaRPr lang="en-US"/>
           </a:p>
@@ -736,14 +736,14 @@
           </a:ln>
           <a:effectLst/>
           <a:extLst>
-            <a:ext uri="{909E8E84-426E-40DD-AFC4-6F175D3DCCD1}">
+            <a:ext uri="{909E8E84-426E-40dd-AFC4-6F175D3DCCD1}">
               <a14:hiddenFill xmlns:a14="http://schemas.microsoft.com/office/drawing/2010/main">
                 <a:solidFill>
                   <a:srgbClr val="FFFFFF"/>
                 </a:solidFill>
               </a14:hiddenFill>
             </a:ext>
-            <a:ext uri="{91240B29-F687-4F45-9708-019B960494DF}">
+            <a:ext uri="{91240B29-F687-4f45-9708-019B960494DF}">
               <a14:hiddenLine xmlns:a14="http://schemas.microsoft.com/office/drawing/2010/main" w="9525">
                 <a:solidFill>
                   <a:srgbClr val="808080"/>
@@ -753,7 +753,7 @@
                 <a:tailEnd/>
               </a14:hiddenLine>
             </a:ext>
-            <a:ext uri="{AF507438-7753-43E0-B8FC-AC1667EBCBE1}">
+            <a:ext uri="{AF507438-7753-43e0-B8FC-AC1667EBCBE1}">
               <a14:hiddenEffects xmlns:a14="http://schemas.microsoft.com/office/drawing/2010/main">
                 <a:effectLst>
                   <a:outerShdw dist="35921" dir="2700000" algn="ctr" rotWithShape="0">
@@ -828,7 +828,7 @@
             <a:tailEnd/>
           </a:ln>
           <a:extLst>
-            <a:ext uri="{AF507438-7753-43E0-B8FC-AC1667EBCBE1}">
+            <a:ext uri="{AF507438-7753-43e0-B8FC-AC1667EBCBE1}">
               <a14:hiddenEffects xmlns:a14="http://schemas.microsoft.com/office/drawing/2010/main">
                 <a:effectLst>
                   <a:outerShdw dist="35921" dir="2700000" algn="ctr" rotWithShape="0">
@@ -861,14 +861,14 @@
           <a:noFill/>
           <a:ln/>
           <a:extLst>
-            <a:ext uri="{909E8E84-426E-40DD-AFC4-6F175D3DCCD1}">
+            <a:ext uri="{909E8E84-426E-40dd-AFC4-6F175D3DCCD1}">
               <a14:hiddenFill xmlns:a14="http://schemas.microsoft.com/office/drawing/2010/main">
                 <a:solidFill>
                   <a:srgbClr val="FFFFFF"/>
                 </a:solidFill>
               </a14:hiddenFill>
             </a:ext>
-            <a:ext uri="{91240B29-F687-4F45-9708-019B960494DF}">
+            <a:ext uri="{91240B29-F687-4f45-9708-019B960494DF}">
               <a14:hiddenLine xmlns:a14="http://schemas.microsoft.com/office/drawing/2010/main" w="9525">
                 <a:solidFill>
                   <a:srgbClr val="808080"/>
@@ -878,7 +878,7 @@
                 <a:tailEnd/>
               </a14:hiddenLine>
             </a:ext>
-            <a:ext uri="{AF507438-7753-43E0-B8FC-AC1667EBCBE1}">
+            <a:ext uri="{AF507438-7753-43e0-B8FC-AC1667EBCBE1}">
               <a14:hiddenEffects xmlns:a14="http://schemas.microsoft.com/office/drawing/2010/main">
                 <a:effectLst>
                   <a:outerShdw dist="35921" dir="2700000" algn="ctr" rotWithShape="0">
@@ -1320,7 +1320,7 @@
           <a:p>
             <a:fld id="{483B2EB1-97C2-49F7-AADC-49C8FCF69781}" type="datetimeFigureOut">
               <a:rPr lang="en-GB" smtClean="0"/>
-              <a:t>14/05/2012</a:t>
+              <a:t>14.05.12</a:t>
             </a:fld>
             <a:endParaRPr lang="en-GB"/>
           </a:p>
@@ -1489,7 +1489,7 @@
           <a:p>
             <a:fld id="{483B2EB1-97C2-49F7-AADC-49C8FCF69781}" type="datetimeFigureOut">
               <a:rPr lang="en-GB" smtClean="0"/>
-              <a:t>14/05/2012</a:t>
+              <a:t>14.05.12</a:t>
             </a:fld>
             <a:endParaRPr lang="en-GB"/>
           </a:p>
@@ -1668,7 +1668,7 @@
           <a:p>
             <a:fld id="{483B2EB1-97C2-49F7-AADC-49C8FCF69781}" type="datetimeFigureOut">
               <a:rPr lang="en-GB" smtClean="0"/>
-              <a:t>14/05/2012</a:t>
+              <a:t>14.05.12</a:t>
             </a:fld>
             <a:endParaRPr lang="en-GB"/>
           </a:p>
@@ -3557,7 +3557,7 @@
           <a:p>
             <a:fld id="{483B2EB1-97C2-49F7-AADC-49C8FCF69781}" type="datetimeFigureOut">
               <a:rPr lang="en-GB" smtClean="0"/>
-              <a:t>14/05/2012</a:t>
+              <a:t>14.05.12</a:t>
             </a:fld>
             <a:endParaRPr lang="en-GB"/>
           </a:p>
@@ -4706,7 +4706,7 @@
           <a:p>
             <a:fld id="{483B2EB1-97C2-49F7-AADC-49C8FCF69781}" type="datetimeFigureOut">
               <a:rPr lang="en-GB" smtClean="0"/>
-              <a:t>14/05/2012</a:t>
+              <a:t>14.05.12</a:t>
             </a:fld>
             <a:endParaRPr lang="en-GB"/>
           </a:p>
@@ -4993,7 +4993,7 @@
           <a:p>
             <a:fld id="{483B2EB1-97C2-49F7-AADC-49C8FCF69781}" type="datetimeFigureOut">
               <a:rPr lang="en-GB" smtClean="0"/>
-              <a:t>14/05/2012</a:t>
+              <a:t>14.05.12</a:t>
             </a:fld>
             <a:endParaRPr lang="en-GB"/>
           </a:p>
@@ -5414,7 +5414,7 @@
           <a:p>
             <a:fld id="{483B2EB1-97C2-49F7-AADC-49C8FCF69781}" type="datetimeFigureOut">
               <a:rPr lang="en-GB" smtClean="0"/>
-              <a:t>14/05/2012</a:t>
+              <a:t>14.05.12</a:t>
             </a:fld>
             <a:endParaRPr lang="en-GB"/>
           </a:p>
@@ -5531,7 +5531,7 @@
           <a:p>
             <a:fld id="{483B2EB1-97C2-49F7-AADC-49C8FCF69781}" type="datetimeFigureOut">
               <a:rPr lang="en-GB" smtClean="0"/>
-              <a:t>14/05/2012</a:t>
+              <a:t>14.05.12</a:t>
             </a:fld>
             <a:endParaRPr lang="en-GB"/>
           </a:p>
@@ -5625,7 +5625,7 @@
           <a:p>
             <a:fld id="{483B2EB1-97C2-49F7-AADC-49C8FCF69781}" type="datetimeFigureOut">
               <a:rPr lang="en-GB" smtClean="0"/>
-              <a:t>14/05/2012</a:t>
+              <a:t>14.05.12</a:t>
             </a:fld>
             <a:endParaRPr lang="en-GB"/>
           </a:p>
@@ -5902,7 +5902,7 @@
           <a:p>
             <a:fld id="{483B2EB1-97C2-49F7-AADC-49C8FCF69781}" type="datetimeFigureOut">
               <a:rPr lang="en-GB" smtClean="0"/>
-              <a:t>14/05/2012</a:t>
+              <a:t>14.05.12</a:t>
             </a:fld>
             <a:endParaRPr lang="en-GB"/>
           </a:p>
@@ -6154,7 +6154,7 @@
           <a:p>
             <a:fld id="{483B2EB1-97C2-49F7-AADC-49C8FCF69781}" type="datetimeFigureOut">
               <a:rPr lang="en-GB" smtClean="0"/>
-              <a:t>14/05/2012</a:t>
+              <a:t>14.05.12</a:t>
             </a:fld>
             <a:endParaRPr lang="en-GB"/>
           </a:p>
@@ -6366,7 +6366,7 @@
           <a:p>
             <a:fld id="{483B2EB1-97C2-49F7-AADC-49C8FCF69781}" type="datetimeFigureOut">
               <a:rPr lang="en-GB" smtClean="0"/>
-              <a:t>14/05/2012</a:t>
+              <a:t>14.05.12</a:t>
             </a:fld>
             <a:endParaRPr lang="en-GB"/>
           </a:p>
@@ -6977,7 +6977,7 @@
           <a:graphicData uri="http://schemas.openxmlformats.org/presentationml/2006/ole">
             <mc:AlternateContent xmlns:mc="http://schemas.openxmlformats.org/markup-compatibility/2006">
               <mc:Choice xmlns:v="urn:schemas-microsoft-com:vml" Requires="v">
-                <p:oleObj spid="_x0000_s2080" r:id="rId14" imgW="3221337" imgH="1845301" progId="">
+                <p:oleObj spid="_x0000_s2082" r:id="rId14" imgW="3221337" imgH="1845301" progId="">
                   <p:embed/>
                 </p:oleObj>
               </mc:Choice>
@@ -7208,7 +7208,7 @@
           </a:xfrm>
           <a:ln/>
           <a:extLst>
-            <a:ext uri="{91240B29-F687-4F45-9708-019B960494DF}">
+            <a:ext uri="{91240B29-F687-4f45-9708-019B960494DF}">
               <a14:hiddenLine xmlns:a14="http://schemas.microsoft.com/office/drawing/2010/main" w="9360">
                 <a:solidFill>
                   <a:srgbClr val="808080"/>
@@ -7389,11 +7389,11 @@
   <p:clrMapOvr>
     <a:masterClrMapping/>
   </p:clrMapOvr>
-  <p:transition spd="med"/>
+  <p:transition xmlns:p14="http://schemas.microsoft.com/office/powerpoint/2010/main" spd="med"/>
   <p:timing>
     <p:tnLst>
       <p:par>
-        <p:cTn id="1" dur="indefinite" restart="never" nodeType="tmRoot">
+        <p:cTn xmlns:p14="http://schemas.microsoft.com/office/powerpoint/2010/main" id="1" dur="indefinite" restart="never" nodeType="tmRoot">
           <p:childTnLst>
             <p:seq concurrent="1" nextAc="seek">
               <p:cTn id="2" dur="0" nodeType="mainSeq"/>
@@ -7516,11 +7516,7 @@
             </a:r>
             <a:r>
               <a:rPr lang="en-US" dirty="0" smtClean="0"/>
-              <a:t> SS </a:t>
-            </a:r>
-            <a:r>
-              <a:rPr lang="en-US" dirty="0" smtClean="0"/>
-              <a:t>2012</a:t>
+              <a:t> SS 2012</a:t>
             </a:r>
             <a:endParaRPr lang="en-US" dirty="0"/>
           </a:p>
@@ -7869,18 +7865,18 @@
   <p:clrMapOvr>
     <a:masterClrMapping/>
   </p:clrMapOvr>
-  <mc:AlternateContent xmlns:mc="http://schemas.openxmlformats.org/markup-compatibility/2006">
-    <mc:Choice xmlns:p14="http://schemas.microsoft.com/office/powerpoint/2010/main" Requires="p14">
+  <mc:AlternateContent xmlns:mc="http://schemas.openxmlformats.org/markup-compatibility/2006" xmlns:p14="http://schemas.microsoft.com/office/powerpoint/2010/main">
+    <mc:Choice Requires="p14">
       <p:transition spd="slow" p14:dur="2000"/>
     </mc:Choice>
-    <mc:Fallback>
+    <mc:Fallback xmlns="">
       <p:transition spd="slow"/>
     </mc:Fallback>
   </mc:AlternateContent>
   <p:timing>
     <p:tnLst>
       <p:par>
-        <p:cTn id="1" dur="indefinite" restart="never" nodeType="tmRoot"/>
+        <p:cTn xmlns:p14="http://schemas.microsoft.com/office/powerpoint/2010/main" id="1" dur="indefinite" restart="never" nodeType="tmRoot"/>
       </p:par>
     </p:tnLst>
   </p:timing>
@@ -8255,7 +8251,7 @@
           </a:prstGeom>
           <a:noFill/>
           <a:extLst>
-            <a:ext uri="{909E8E84-426E-40DD-AFC4-6F175D3DCCD1}">
+            <a:ext uri="{909E8E84-426E-40dd-AFC4-6F175D3DCCD1}">
               <a14:hiddenFill xmlns:a14="http://schemas.microsoft.com/office/drawing/2010/main">
                 <a:solidFill>
                   <a:srgbClr val="FFFFFF"/>
@@ -8298,14 +8294,14 @@
           </a:ln>
           <a:effectLst/>
           <a:extLst>
-            <a:ext uri="{909E8E84-426E-40DD-AFC4-6F175D3DCCD1}">
+            <a:ext uri="{909E8E84-426E-40dd-AFC4-6F175D3DCCD1}">
               <a14:hiddenFill xmlns:a14="http://schemas.microsoft.com/office/drawing/2010/main">
                 <a:solidFill>
                   <a:schemeClr val="accent1"/>
                 </a:solidFill>
               </a14:hiddenFill>
             </a:ext>
-            <a:ext uri="{91240B29-F687-4F45-9708-019B960494DF}">
+            <a:ext uri="{91240B29-F687-4f45-9708-019B960494DF}">
               <a14:hiddenLine xmlns:a14="http://schemas.microsoft.com/office/drawing/2010/main" w="9525">
                 <a:solidFill>
                   <a:schemeClr val="tx1"/>
@@ -8315,7 +8311,7 @@
                 <a:tailEnd/>
               </a14:hiddenLine>
             </a:ext>
-            <a:ext uri="{AF507438-7753-43E0-B8FC-AC1667EBCBE1}">
+            <a:ext uri="{AF507438-7753-43e0-B8FC-AC1667EBCBE1}">
               <a14:hiddenEffects xmlns:a14="http://schemas.microsoft.com/office/drawing/2010/main">
                 <a:effectLst>
                   <a:outerShdw dist="35921" dir="2700000" algn="ctr" rotWithShape="0">
@@ -8411,11 +8407,7 @@
             </a:r>
             <a:r>
               <a:rPr lang="en-US" dirty="0" smtClean="0"/>
-              <a:t> SS </a:t>
-            </a:r>
-            <a:r>
-              <a:rPr lang="en-US" dirty="0" smtClean="0"/>
-              <a:t>2012</a:t>
+              <a:t> SS 2012</a:t>
             </a:r>
             <a:endParaRPr lang="en-US" dirty="0"/>
           </a:p>
@@ -8442,7 +8434,7 @@
   <p:timing>
     <p:tnLst>
       <p:par>
-        <p:cTn id="1" dur="indefinite" restart="never" nodeType="tmRoot"/>
+        <p:cTn xmlns:p14="http://schemas.microsoft.com/office/powerpoint/2010/main" id="1" dur="indefinite" restart="never" nodeType="tmRoot"/>
       </p:par>
     </p:tnLst>
   </p:timing>
@@ -8916,16 +8908,72 @@
             </a:r>
             <a:r>
               <a:rPr lang="en-US" dirty="0" smtClean="0"/>
-              <a:t> SS </a:t>
-            </a:r>
-            <a:r>
-              <a:rPr lang="en-US" dirty="0" smtClean="0"/>
-              <a:t>2012</a:t>
+              <a:t> SS 2012</a:t>
             </a:r>
             <a:endParaRPr lang="en-US" dirty="0"/>
           </a:p>
         </p:txBody>
       </p:sp>
+      <p:pic>
+        <p:nvPicPr>
+          <p:cNvPr id="4" name="Picture 3" descr="gitx.png"/>
+          <p:cNvPicPr>
+            <a:picLocks noChangeAspect="1"/>
+          </p:cNvPicPr>
+          <p:nvPr/>
+        </p:nvPicPr>
+        <p:blipFill>
+          <a:blip r:embed="rId3">
+            <a:extLst>
+              <a:ext uri="{28A0092B-C50C-407E-A947-70E740481C1C}">
+                <a14:useLocalDpi xmlns:a14="http://schemas.microsoft.com/office/drawing/2010/main" val="0"/>
+              </a:ext>
+            </a:extLst>
+          </a:blip>
+          <a:stretch>
+            <a:fillRect/>
+          </a:stretch>
+        </p:blipFill>
+        <p:spPr>
+          <a:xfrm>
+            <a:off x="395536" y="2420888"/>
+            <a:ext cx="5663768" cy="3861886"/>
+          </a:xfrm>
+          <a:prstGeom prst="rect">
+            <a:avLst/>
+          </a:prstGeom>
+        </p:spPr>
+      </p:pic>
+      <p:pic>
+        <p:nvPicPr>
+          <p:cNvPr id="5" name="Picture 4" descr="git-diff.png"/>
+          <p:cNvPicPr>
+            <a:picLocks noChangeAspect="1"/>
+          </p:cNvPicPr>
+          <p:nvPr/>
+        </p:nvPicPr>
+        <p:blipFill>
+          <a:blip r:embed="rId4">
+            <a:extLst>
+              <a:ext uri="{28A0092B-C50C-407E-A947-70E740481C1C}">
+                <a14:useLocalDpi xmlns:a14="http://schemas.microsoft.com/office/drawing/2010/main" val="0"/>
+              </a:ext>
+            </a:extLst>
+          </a:blip>
+          <a:stretch>
+            <a:fillRect/>
+          </a:stretch>
+        </p:blipFill>
+        <p:spPr>
+          <a:xfrm>
+            <a:off x="3851920" y="2492896"/>
+            <a:ext cx="6057900" cy="2387600"/>
+          </a:xfrm>
+          <a:prstGeom prst="rect">
+            <a:avLst/>
+          </a:prstGeom>
+        </p:spPr>
+      </p:pic>
     </p:spTree>
     <p:extLst>
       <p:ext uri="{BB962C8B-B14F-4D97-AF65-F5344CB8AC3E}">
@@ -8947,7 +8995,7 @@
   <p:timing>
     <p:tnLst>
       <p:par>
-        <p:cTn id="1" dur="indefinite" restart="never" nodeType="tmRoot"/>
+        <p:cTn xmlns:p14="http://schemas.microsoft.com/office/powerpoint/2010/main" id="1" dur="indefinite" restart="never" nodeType="tmRoot"/>
       </p:par>
     </p:tnLst>
   </p:timing>

--- a/seminar/presentation/mps.pptx
+++ b/seminar/presentation/mps.pptx
@@ -6,16 +6,18 @@
     <p:sldMasterId id="2147483660" r:id="rId2"/>
   </p:sldMasterIdLst>
   <p:notesMasterIdLst>
-    <p:notesMasterId r:id="rId7"/>
+    <p:notesMasterId r:id="rId9"/>
   </p:notesMasterIdLst>
   <p:handoutMasterIdLst>
-    <p:handoutMasterId r:id="rId8"/>
+    <p:handoutMasterId r:id="rId10"/>
   </p:handoutMasterIdLst>
   <p:sldIdLst>
     <p:sldId id="276" r:id="rId3"/>
     <p:sldId id="273" r:id="rId4"/>
-    <p:sldId id="277" r:id="rId5"/>
-    <p:sldId id="278" r:id="rId6"/>
+    <p:sldId id="279" r:id="rId5"/>
+    <p:sldId id="277" r:id="rId6"/>
+    <p:sldId id="278" r:id="rId7"/>
+    <p:sldId id="280" r:id="rId8"/>
   </p:sldIdLst>
   <p:sldSz cx="9144000" cy="6858000" type="screen4x3"/>
   <p:notesSz cx="6858000" cy="9144000"/>
@@ -736,14 +738,14 @@
           </a:ln>
           <a:effectLst/>
           <a:extLst>
-            <a:ext uri="{909E8E84-426E-40dd-AFC4-6F175D3DCCD1}">
+            <a:ext uri="{909E8E84-426E-40DD-AFC4-6F175D3DCCD1}">
               <a14:hiddenFill xmlns:a14="http://schemas.microsoft.com/office/drawing/2010/main">
                 <a:solidFill>
                   <a:srgbClr val="FFFFFF"/>
                 </a:solidFill>
               </a14:hiddenFill>
             </a:ext>
-            <a:ext uri="{91240B29-F687-4f45-9708-019B960494DF}">
+            <a:ext uri="{91240B29-F687-4F45-9708-019B960494DF}">
               <a14:hiddenLine xmlns:a14="http://schemas.microsoft.com/office/drawing/2010/main" w="9525">
                 <a:solidFill>
                   <a:srgbClr val="808080"/>
@@ -753,7 +755,7 @@
                 <a:tailEnd/>
               </a14:hiddenLine>
             </a:ext>
-            <a:ext uri="{AF507438-7753-43e0-B8FC-AC1667EBCBE1}">
+            <a:ext uri="{AF507438-7753-43E0-B8FC-AC1667EBCBE1}">
               <a14:hiddenEffects xmlns:a14="http://schemas.microsoft.com/office/drawing/2010/main">
                 <a:effectLst>
                   <a:outerShdw dist="35921" dir="2700000" algn="ctr" rotWithShape="0">
@@ -828,7 +830,7 @@
             <a:tailEnd/>
           </a:ln>
           <a:extLst>
-            <a:ext uri="{AF507438-7753-43e0-B8FC-AC1667EBCBE1}">
+            <a:ext uri="{AF507438-7753-43E0-B8FC-AC1667EBCBE1}">
               <a14:hiddenEffects xmlns:a14="http://schemas.microsoft.com/office/drawing/2010/main">
                 <a:effectLst>
                   <a:outerShdw dist="35921" dir="2700000" algn="ctr" rotWithShape="0">
@@ -861,14 +863,14 @@
           <a:noFill/>
           <a:ln/>
           <a:extLst>
-            <a:ext uri="{909E8E84-426E-40dd-AFC4-6F175D3DCCD1}">
+            <a:ext uri="{909E8E84-426E-40DD-AFC4-6F175D3DCCD1}">
               <a14:hiddenFill xmlns:a14="http://schemas.microsoft.com/office/drawing/2010/main">
                 <a:solidFill>
                   <a:srgbClr val="FFFFFF"/>
                 </a:solidFill>
               </a14:hiddenFill>
             </a:ext>
-            <a:ext uri="{91240B29-F687-4f45-9708-019B960494DF}">
+            <a:ext uri="{91240B29-F687-4F45-9708-019B960494DF}">
               <a14:hiddenLine xmlns:a14="http://schemas.microsoft.com/office/drawing/2010/main" w="9525">
                 <a:solidFill>
                   <a:srgbClr val="808080"/>
@@ -878,7 +880,7 @@
                 <a:tailEnd/>
               </a14:hiddenLine>
             </a:ext>
-            <a:ext uri="{AF507438-7753-43e0-B8FC-AC1667EBCBE1}">
+            <a:ext uri="{AF507438-7753-43E0-B8FC-AC1667EBCBE1}">
               <a14:hiddenEffects xmlns:a14="http://schemas.microsoft.com/office/drawing/2010/main">
                 <a:effectLst>
                   <a:outerShdw dist="35921" dir="2700000" algn="ctr" rotWithShape="0">
@@ -1052,7 +1054,100 @@
           <a:bodyPr/>
           <a:lstStyle/>
           <a:p>
-            <a:endParaRPr lang="en-US"/>
+            <a:r>
+              <a:rPr lang="en-GB" dirty="0" smtClean="0"/>
+              <a:t>* </a:t>
+            </a:r>
+            <a:r>
+              <a:rPr lang="en-GB" dirty="0" err="1" smtClean="0"/>
+              <a:t>crtl+l</a:t>
+            </a:r>
+            <a:endParaRPr lang="en-GB" dirty="0" smtClean="0"/>
+          </a:p>
+          <a:p>
+            <a:r>
+              <a:rPr lang="en-GB" dirty="0" smtClean="0"/>
+              <a:t>* tab suggestions/autocomplete</a:t>
+            </a:r>
+          </a:p>
+          <a:p>
+            <a:r>
+              <a:rPr lang="en-GB" dirty="0" smtClean="0"/>
+              <a:t>* execute refresh after certain commands (git pull, </a:t>
+            </a:r>
+            <a:r>
+              <a:rPr lang="en-GB" dirty="0" err="1" smtClean="0"/>
+              <a:t>rm</a:t>
+            </a:r>
+            <a:r>
+              <a:rPr lang="en-GB" dirty="0" smtClean="0"/>
+              <a:t>, ...)</a:t>
+            </a:r>
+          </a:p>
+          <a:p>
+            <a:r>
+              <a:rPr lang="en-GB" dirty="0" smtClean="0"/>
+              <a:t>* </a:t>
+            </a:r>
+            <a:r>
+              <a:rPr lang="en-GB" dirty="0" err="1" smtClean="0"/>
+              <a:t>colors</a:t>
+            </a:r>
+            <a:r>
+              <a:rPr lang="en-GB" dirty="0" smtClean="0"/>
+              <a:t> (git </a:t>
+            </a:r>
+            <a:r>
+              <a:rPr lang="en-GB" dirty="0" err="1" smtClean="0"/>
+              <a:t>config</a:t>
+            </a:r>
+            <a:r>
+              <a:rPr lang="en-GB" dirty="0" smtClean="0"/>
+              <a:t> </a:t>
+            </a:r>
+            <a:r>
+              <a:rPr lang="en-GB" dirty="0" err="1" smtClean="0"/>
+              <a:t>color.status</a:t>
+            </a:r>
+            <a:r>
+              <a:rPr lang="en-GB" dirty="0" smtClean="0"/>
+              <a:t> auto)</a:t>
+            </a:r>
+          </a:p>
+          <a:p>
+            <a:r>
+              <a:rPr lang="en-GB" dirty="0" smtClean="0"/>
+              <a:t>* close console when click into text</a:t>
+            </a:r>
+          </a:p>
+          <a:p>
+            <a:r>
+              <a:rPr lang="en-GB" dirty="0" smtClean="0"/>
+              <a:t>* reconfigurable shortcuts (</a:t>
+            </a:r>
+            <a:r>
+              <a:rPr lang="en-GB" dirty="0" err="1" smtClean="0"/>
+              <a:t>alt+space</a:t>
+            </a:r>
+            <a:r>
+              <a:rPr lang="en-GB" dirty="0" smtClean="0"/>
+              <a:t> instead of </a:t>
+            </a:r>
+            <a:r>
+              <a:rPr lang="en-GB" dirty="0" err="1" smtClean="0"/>
+              <a:t>Shift+ESC</a:t>
+            </a:r>
+            <a:r>
+              <a:rPr lang="en-GB" dirty="0" smtClean="0"/>
+              <a:t> for instance)</a:t>
+            </a:r>
+          </a:p>
+          <a:p>
+            <a:r>
+              <a:rPr lang="en-GB" dirty="0" smtClean="0"/>
+              <a:t>* no indication of when a command's console output ends (i.e. the is done)</a:t>
+            </a:r>
+            <a:endParaRPr lang="en-US" dirty="0"/>
           </a:p>
         </p:txBody>
       </p:sp>
@@ -1127,6 +1222,156 @@
           <a:bodyPr/>
           <a:lstStyle/>
           <a:p>
+            <a:endParaRPr lang="en-US"/>
+          </a:p>
+        </p:txBody>
+      </p:sp>
+    </p:spTree>
+  </p:cSld>
+  <p:clrMapOvr>
+    <a:masterClrMapping/>
+  </p:clrMapOvr>
+</p:notes>
+</file>
+
+<file path=ppt/notesSlides/notesSlide5.xml><?xml version="1.0" encoding="utf-8"?>
+<p:notes xmlns:a="http://schemas.openxmlformats.org/drawingml/2006/main" xmlns:r="http://schemas.openxmlformats.org/officeDocument/2006/relationships" xmlns:p="http://schemas.openxmlformats.org/presentationml/2006/main">
+  <p:cSld>
+    <p:spTree>
+      <p:nvGrpSpPr>
+        <p:cNvPr id="1" name=""/>
+        <p:cNvGrpSpPr/>
+        <p:nvPr/>
+      </p:nvGrpSpPr>
+      <p:grpSpPr>
+        <a:xfrm>
+          <a:off x="0" y="0"/>
+          <a:ext cx="0" cy="0"/>
+          <a:chOff x="0" y="0"/>
+          <a:chExt cx="0" cy="0"/>
+        </a:xfrm>
+      </p:grpSpPr>
+      <p:sp>
+        <p:nvSpPr>
+          <p:cNvPr id="2" name="Slide Image Placeholder 1"/>
+          <p:cNvSpPr>
+            <a:spLocks noGrp="1" noRot="1" noChangeAspect="1" noResize="1"/>
+          </p:cNvSpPr>
+          <p:nvPr>
+            <p:ph type="sldImg"/>
+          </p:nvPr>
+        </p:nvSpPr>
+        <p:spPr>
+          <a:xfrm>
+            <a:off x="0" y="695325"/>
+            <a:ext cx="0" cy="0"/>
+          </a:xfrm>
+          <a:solidFill>
+            <a:srgbClr val="CFE7F5"/>
+          </a:solidFill>
+          <a:ln w="25400">
+            <a:solidFill>
+              <a:srgbClr val="808080"/>
+            </a:solidFill>
+            <a:prstDash val="solid"/>
+          </a:ln>
+        </p:spPr>
+      </p:sp>
+      <p:sp>
+        <p:nvSpPr>
+          <p:cNvPr id="3" name="Notes Placeholder 2"/>
+          <p:cNvSpPr txBox="1">
+            <a:spLocks noGrp="1"/>
+          </p:cNvSpPr>
+          <p:nvPr>
+            <p:ph type="body" sz="quarter" idx="1"/>
+          </p:nvPr>
+        </p:nvSpPr>
+        <p:spPr>
+          <a:xfrm>
+            <a:off x="685799" y="4343400"/>
+            <a:ext cx="5486040" cy="4114440"/>
+          </a:xfrm>
+        </p:spPr>
+        <p:txBody>
+          <a:bodyPr/>
+          <a:lstStyle/>
+          <a:p>
+            <a:endParaRPr lang="en-US" dirty="0"/>
+          </a:p>
+        </p:txBody>
+      </p:sp>
+    </p:spTree>
+  </p:cSld>
+  <p:clrMapOvr>
+    <a:masterClrMapping/>
+  </p:clrMapOvr>
+</p:notes>
+</file>
+
+<file path=ppt/notesSlides/notesSlide6.xml><?xml version="1.0" encoding="utf-8"?>
+<p:notes xmlns:a="http://schemas.openxmlformats.org/drawingml/2006/main" xmlns:r="http://schemas.openxmlformats.org/officeDocument/2006/relationships" xmlns:p="http://schemas.openxmlformats.org/presentationml/2006/main">
+  <p:cSld>
+    <p:spTree>
+      <p:nvGrpSpPr>
+        <p:cNvPr id="1" name=""/>
+        <p:cNvGrpSpPr/>
+        <p:nvPr/>
+      </p:nvGrpSpPr>
+      <p:grpSpPr>
+        <a:xfrm>
+          <a:off x="0" y="0"/>
+          <a:ext cx="0" cy="0"/>
+          <a:chOff x="0" y="0"/>
+          <a:chExt cx="0" cy="0"/>
+        </a:xfrm>
+      </p:grpSpPr>
+      <p:sp>
+        <p:nvSpPr>
+          <p:cNvPr id="2" name="Slide Image Placeholder 1"/>
+          <p:cNvSpPr>
+            <a:spLocks noGrp="1" noRot="1" noChangeAspect="1" noResize="1"/>
+          </p:cNvSpPr>
+          <p:nvPr>
+            <p:ph type="sldImg"/>
+          </p:nvPr>
+        </p:nvSpPr>
+        <p:spPr>
+          <a:xfrm>
+            <a:off x="0" y="695325"/>
+            <a:ext cx="0" cy="0"/>
+          </a:xfrm>
+          <a:solidFill>
+            <a:srgbClr val="CFE7F5"/>
+          </a:solidFill>
+          <a:ln w="25400">
+            <a:solidFill>
+              <a:srgbClr val="808080"/>
+            </a:solidFill>
+            <a:prstDash val="solid"/>
+          </a:ln>
+        </p:spPr>
+      </p:sp>
+      <p:sp>
+        <p:nvSpPr>
+          <p:cNvPr id="3" name="Notes Placeholder 2"/>
+          <p:cNvSpPr txBox="1">
+            <a:spLocks noGrp="1"/>
+          </p:cNvSpPr>
+          <p:nvPr>
+            <p:ph type="body" sz="quarter" idx="1"/>
+          </p:nvPr>
+        </p:nvSpPr>
+        <p:spPr>
+          <a:xfrm>
+            <a:off x="685799" y="4343400"/>
+            <a:ext cx="5486040" cy="4114440"/>
+          </a:xfrm>
+        </p:spPr>
+        <p:txBody>
+          <a:bodyPr/>
+          <a:lstStyle/>
+          <a:p>
             <a:endParaRPr lang="en-US" dirty="0"/>
           </a:p>
         </p:txBody>
@@ -1320,7 +1565,7 @@
           <a:p>
             <a:fld id="{483B2EB1-97C2-49F7-AADC-49C8FCF69781}" type="datetimeFigureOut">
               <a:rPr lang="en-GB" smtClean="0"/>
-              <a:t>14.05.12</a:t>
+              <a:t>14/05/2012</a:t>
             </a:fld>
             <a:endParaRPr lang="en-GB"/>
           </a:p>
@@ -1489,7 +1734,7 @@
           <a:p>
             <a:fld id="{483B2EB1-97C2-49F7-AADC-49C8FCF69781}" type="datetimeFigureOut">
               <a:rPr lang="en-GB" smtClean="0"/>
-              <a:t>14.05.12</a:t>
+              <a:t>14/05/2012</a:t>
             </a:fld>
             <a:endParaRPr lang="en-GB"/>
           </a:p>
@@ -1668,7 +1913,7 @@
           <a:p>
             <a:fld id="{483B2EB1-97C2-49F7-AADC-49C8FCF69781}" type="datetimeFigureOut">
               <a:rPr lang="en-GB" smtClean="0"/>
-              <a:t>14.05.12</a:t>
+              <a:t>14/05/2012</a:t>
             </a:fld>
             <a:endParaRPr lang="en-GB"/>
           </a:p>
@@ -3557,7 +3802,7 @@
           <a:p>
             <a:fld id="{483B2EB1-97C2-49F7-AADC-49C8FCF69781}" type="datetimeFigureOut">
               <a:rPr lang="en-GB" smtClean="0"/>
-              <a:t>14.05.12</a:t>
+              <a:t>14/05/2012</a:t>
             </a:fld>
             <a:endParaRPr lang="en-GB"/>
           </a:p>
@@ -4706,7 +4951,7 @@
           <a:p>
             <a:fld id="{483B2EB1-97C2-49F7-AADC-49C8FCF69781}" type="datetimeFigureOut">
               <a:rPr lang="en-GB" smtClean="0"/>
-              <a:t>14.05.12</a:t>
+              <a:t>14/05/2012</a:t>
             </a:fld>
             <a:endParaRPr lang="en-GB"/>
           </a:p>
@@ -4993,7 +5238,7 @@
           <a:p>
             <a:fld id="{483B2EB1-97C2-49F7-AADC-49C8FCF69781}" type="datetimeFigureOut">
               <a:rPr lang="en-GB" smtClean="0"/>
-              <a:t>14.05.12</a:t>
+              <a:t>14/05/2012</a:t>
             </a:fld>
             <a:endParaRPr lang="en-GB"/>
           </a:p>
@@ -5414,7 +5659,7 @@
           <a:p>
             <a:fld id="{483B2EB1-97C2-49F7-AADC-49C8FCF69781}" type="datetimeFigureOut">
               <a:rPr lang="en-GB" smtClean="0"/>
-              <a:t>14.05.12</a:t>
+              <a:t>14/05/2012</a:t>
             </a:fld>
             <a:endParaRPr lang="en-GB"/>
           </a:p>
@@ -5531,7 +5776,7 @@
           <a:p>
             <a:fld id="{483B2EB1-97C2-49F7-AADC-49C8FCF69781}" type="datetimeFigureOut">
               <a:rPr lang="en-GB" smtClean="0"/>
-              <a:t>14.05.12</a:t>
+              <a:t>14/05/2012</a:t>
             </a:fld>
             <a:endParaRPr lang="en-GB"/>
           </a:p>
@@ -5625,7 +5870,7 @@
           <a:p>
             <a:fld id="{483B2EB1-97C2-49F7-AADC-49C8FCF69781}" type="datetimeFigureOut">
               <a:rPr lang="en-GB" smtClean="0"/>
-              <a:t>14.05.12</a:t>
+              <a:t>14/05/2012</a:t>
             </a:fld>
             <a:endParaRPr lang="en-GB"/>
           </a:p>
@@ -5902,7 +6147,7 @@
           <a:p>
             <a:fld id="{483B2EB1-97C2-49F7-AADC-49C8FCF69781}" type="datetimeFigureOut">
               <a:rPr lang="en-GB" smtClean="0"/>
-              <a:t>14.05.12</a:t>
+              <a:t>14/05/2012</a:t>
             </a:fld>
             <a:endParaRPr lang="en-GB"/>
           </a:p>
@@ -6154,7 +6399,7 @@
           <a:p>
             <a:fld id="{483B2EB1-97C2-49F7-AADC-49C8FCF69781}" type="datetimeFigureOut">
               <a:rPr lang="en-GB" smtClean="0"/>
-              <a:t>14.05.12</a:t>
+              <a:t>14/05/2012</a:t>
             </a:fld>
             <a:endParaRPr lang="en-GB"/>
           </a:p>
@@ -6366,7 +6611,7 @@
           <a:p>
             <a:fld id="{483B2EB1-97C2-49F7-AADC-49C8FCF69781}" type="datetimeFigureOut">
               <a:rPr lang="en-GB" smtClean="0"/>
-              <a:t>14.05.12</a:t>
+              <a:t>14/05/2012</a:t>
             </a:fld>
             <a:endParaRPr lang="en-GB"/>
           </a:p>
@@ -6977,7 +7222,7 @@
           <a:graphicData uri="http://schemas.openxmlformats.org/presentationml/2006/ole">
             <mc:AlternateContent xmlns:mc="http://schemas.openxmlformats.org/markup-compatibility/2006">
               <mc:Choice xmlns:v="urn:schemas-microsoft-com:vml" Requires="v">
-                <p:oleObj spid="_x0000_s2082" r:id="rId14" imgW="3221337" imgH="1845301" progId="">
+                <p:oleObj spid="_x0000_s2087" r:id="rId14" imgW="3221337" imgH="1845301" progId="">
                   <p:embed/>
                 </p:oleObj>
               </mc:Choice>
@@ -7208,7 +7453,7 @@
           </a:xfrm>
           <a:ln/>
           <a:extLst>
-            <a:ext uri="{91240B29-F687-4f45-9708-019B960494DF}">
+            <a:ext uri="{91240B29-F687-4F45-9708-019B960494DF}">
               <a14:hiddenLine xmlns:a14="http://schemas.microsoft.com/office/drawing/2010/main" w="9360">
                 <a:solidFill>
                   <a:srgbClr val="808080"/>
@@ -7389,11 +7634,11 @@
   <p:clrMapOvr>
     <a:masterClrMapping/>
   </p:clrMapOvr>
-  <p:transition xmlns:p14="http://schemas.microsoft.com/office/powerpoint/2010/main" spd="med"/>
+  <p:transition spd="med"/>
   <p:timing>
     <p:tnLst>
       <p:par>
-        <p:cTn xmlns:p14="http://schemas.microsoft.com/office/powerpoint/2010/main" id="1" dur="indefinite" restart="never" nodeType="tmRoot">
+        <p:cTn id="1" dur="indefinite" restart="never" nodeType="tmRoot">
           <p:childTnLst>
             <p:seq concurrent="1" nextAc="seek">
               <p:cTn id="2" dur="0" nodeType="mainSeq"/>
@@ -7876,7 +8121,7 @@
   <p:timing>
     <p:tnLst>
       <p:par>
-        <p:cTn xmlns:p14="http://schemas.microsoft.com/office/powerpoint/2010/main" id="1" dur="indefinite" restart="never" nodeType="tmRoot"/>
+        <p:cTn id="1" dur="indefinite" restart="never" nodeType="tmRoot"/>
       </p:par>
     </p:tnLst>
   </p:timing>
@@ -7902,6 +8147,91 @@
       </p:grpSpPr>
       <p:sp>
         <p:nvSpPr>
+          <p:cNvPr id="4" name="Date Placeholder 1"/>
+          <p:cNvSpPr>
+            <a:spLocks noGrp="1"/>
+          </p:cNvSpPr>
+          <p:nvPr>
+            <p:ph type="dt" sz="half" idx="10"/>
+          </p:nvPr>
+        </p:nvSpPr>
+        <p:spPr/>
+        <p:txBody>
+          <a:bodyPr/>
+          <a:lstStyle/>
+          <a:p>
+            <a:pPr lvl="0"/>
+            <a:r>
+              <a:rPr lang="en-US" dirty="0" smtClean="0"/>
+              <a:t>15.05.2012</a:t>
+            </a:r>
+            <a:endParaRPr lang="en-US" dirty="0"/>
+          </a:p>
+        </p:txBody>
+      </p:sp>
+      <p:sp>
+        <p:nvSpPr>
+          <p:cNvPr id="5" name="Footer Placeholder 2"/>
+          <p:cNvSpPr>
+            <a:spLocks noGrp="1"/>
+          </p:cNvSpPr>
+          <p:nvPr>
+            <p:ph type="ftr" sz="quarter" idx="11"/>
+          </p:nvPr>
+        </p:nvSpPr>
+        <p:spPr>
+          <a:xfrm>
+            <a:off x="1277280" y="6583679"/>
+            <a:ext cx="5526968" cy="274320"/>
+          </a:xfrm>
+        </p:spPr>
+        <p:txBody>
+          <a:bodyPr/>
+          <a:lstStyle/>
+          <a:p>
+            <a:pPr lvl="0"/>
+            <a:r>
+              <a:rPr lang="en-US" dirty="0" smtClean="0"/>
+              <a:t>| </a:t>
+            </a:r>
+            <a:r>
+              <a:rPr lang="en-US" dirty="0" err="1" smtClean="0"/>
+              <a:t>Kahl</a:t>
+            </a:r>
+            <a:r>
+              <a:rPr lang="en-US" dirty="0" smtClean="0"/>
+              <a:t>, </a:t>
+            </a:r>
+            <a:r>
+              <a:rPr lang="en-US" dirty="0" err="1" smtClean="0"/>
+              <a:t>Platz</a:t>
+            </a:r>
+            <a:r>
+              <a:rPr lang="en-US" dirty="0" smtClean="0"/>
+              <a:t>, </a:t>
+            </a:r>
+            <a:r>
+              <a:rPr lang="en-US" dirty="0" err="1" smtClean="0"/>
+              <a:t>Schilf</a:t>
+            </a:r>
+            <a:r>
+              <a:rPr lang="en-US" dirty="0" smtClean="0"/>
+              <a:t> | Web-</a:t>
+            </a:r>
+            <a:r>
+              <a:rPr lang="en-US" dirty="0" err="1" smtClean="0"/>
+              <a:t>dev</a:t>
+            </a:r>
+            <a:r>
+              <a:rPr lang="en-US" dirty="0" smtClean="0"/>
+              <a:t> SS 2012</a:t>
+            </a:r>
+            <a:endParaRPr lang="en-US" dirty="0"/>
+          </a:p>
+        </p:txBody>
+      </p:sp>
+      <p:sp>
+        <p:nvSpPr>
           <p:cNvPr id="2" name="Title 1"/>
           <p:cNvSpPr txBox="1">
             <a:spLocks noGrp="1"/>
@@ -7971,7 +8301,7 @@
             </a:pPr>
             <a:r>
               <a:rPr lang="en-US" dirty="0" smtClean="0"/>
-              <a:t>Development Workflow</a:t>
+              <a:t>Pros and Cons</a:t>
             </a:r>
             <a:endParaRPr lang="en-US" dirty="0"/>
           </a:p>
@@ -7990,7 +8320,7 @@
         <p:spPr>
           <a:xfrm>
             <a:off x="457200" y="1077840"/>
-            <a:ext cx="8046360" cy="5303488"/>
+            <a:ext cx="3610744" cy="5303488"/>
           </a:xfrm>
         </p:spPr>
         <p:txBody>
@@ -8190,19 +8520,746 @@
           <a:p>
             <a:r>
               <a:rPr lang="en-US" sz="2800" dirty="0" smtClean="0"/>
+              <a:t>Access IDE online</a:t>
+            </a:r>
+          </a:p>
+          <a:p>
+            <a:r>
+              <a:rPr lang="en-US" sz="2800" dirty="0" smtClean="0"/>
+              <a:t>Drag &amp; Drop</a:t>
+            </a:r>
+          </a:p>
+          <a:p>
+            <a:r>
+              <a:rPr lang="en-US" sz="2800" dirty="0" err="1" smtClean="0"/>
+              <a:t>Github</a:t>
+            </a:r>
+            <a:r>
+              <a:rPr lang="en-US" sz="2800" dirty="0" smtClean="0"/>
+              <a:t> / </a:t>
+            </a:r>
+            <a:r>
+              <a:rPr lang="en-US" sz="2800" dirty="0" err="1" smtClean="0"/>
+              <a:t>Bitbucket</a:t>
+            </a:r>
+            <a:r>
+              <a:rPr lang="en-US" sz="2800" dirty="0" smtClean="0"/>
+              <a:t> integration</a:t>
+            </a:r>
+          </a:p>
+          <a:p>
+            <a:r>
+              <a:rPr lang="en-US" sz="2800" dirty="0" smtClean="0"/>
+              <a:t>Syntax highlighting for many languages</a:t>
+            </a:r>
+          </a:p>
+          <a:p>
+            <a:endParaRPr lang="en-US" sz="2400" dirty="0" smtClean="0"/>
+          </a:p>
+          <a:p>
+            <a:endParaRPr lang="en-US" sz="2400" dirty="0" smtClean="0"/>
+          </a:p>
+        </p:txBody>
+      </p:sp>
+      <p:sp>
+        <p:nvSpPr>
+          <p:cNvPr id="8" name="Text Placeholder 2"/>
+          <p:cNvSpPr txBox="1">
+            <a:spLocks/>
+          </p:cNvSpPr>
+          <p:nvPr/>
+        </p:nvSpPr>
+        <p:spPr>
+          <a:xfrm>
+            <a:off x="4561656" y="1077840"/>
+            <a:ext cx="3898776" cy="5303488"/>
+          </a:xfrm>
+          <a:prstGeom prst="rect">
+            <a:avLst/>
+          </a:prstGeom>
+          <a:noFill/>
+          <a:ln>
+            <a:noFill/>
+          </a:ln>
+        </p:spPr>
+        <p:txBody>
+          <a:bodyPr lIns="0" tIns="0" rIns="0" bIns="0"/>
+          <a:lstStyle>
+            <a:defPPr marL="432000" lvl="0" indent="-324000">
+              <a:spcBef>
+                <a:spcPts val="0"/>
+              </a:spcBef>
+              <a:spcAft>
+                <a:spcPts val="1417"/>
+              </a:spcAft>
+              <a:buSzPct val="45000"/>
+              <a:buFont typeface="StarSymbol"/>
+              <a:buNone/>
+              <a:defRPr lang="en-US" sz="3200" b="0" i="0" u="none" strike="noStrike" kern="1200">
+                <a:ln>
+                  <a:noFill/>
+                </a:ln>
+                <a:latin typeface="Arial" pitchFamily="18"/>
+                <a:ea typeface="Droid Sans" pitchFamily="2"/>
+                <a:cs typeface="Lohit Hindi" pitchFamily="2"/>
+              </a:defRPr>
+            </a:defPPr>
+            <a:lvl1pPr marL="432000" lvl="0" indent="-324000" rtl="0" hangingPunct="0">
+              <a:spcBef>
+                <a:spcPts val="0"/>
+              </a:spcBef>
+              <a:spcAft>
+                <a:spcPts val="1417"/>
+              </a:spcAft>
+              <a:buSzPct val="45000"/>
+              <a:buFont typeface="StarSymbol"/>
+              <a:buChar char="●"/>
+              <a:tabLst/>
+              <a:defRPr lang="en-US" sz="3200" b="0" i="0" u="none" strike="noStrike" kern="1200">
+                <a:ln>
+                  <a:noFill/>
+                </a:ln>
+                <a:latin typeface="Arial" pitchFamily="18"/>
+                <a:ea typeface="Droid Sans" pitchFamily="2"/>
+                <a:cs typeface="Lohit Hindi" pitchFamily="2"/>
+              </a:defRPr>
+            </a:lvl1pPr>
+            <a:lvl2pPr marL="864000" lvl="1" indent="-324000">
+              <a:spcBef>
+                <a:spcPts val="0"/>
+              </a:spcBef>
+              <a:spcAft>
+                <a:spcPts val="1134"/>
+              </a:spcAft>
+              <a:buSzPct val="75000"/>
+              <a:buFont typeface="StarSymbol"/>
+              <a:buChar char="–"/>
+              <a:defRPr lang="en-US" sz="2800" b="0" i="0" u="none" strike="noStrike" kern="1200">
+                <a:ln>
+                  <a:noFill/>
+                </a:ln>
+                <a:latin typeface="Arial" pitchFamily="18"/>
+                <a:ea typeface="Droid Sans" pitchFamily="2"/>
+                <a:cs typeface="Lohit Hindi" pitchFamily="2"/>
+              </a:defRPr>
+            </a:lvl2pPr>
+            <a:lvl3pPr marL="1295999" lvl="2" indent="-288000">
+              <a:spcBef>
+                <a:spcPts val="0"/>
+              </a:spcBef>
+              <a:spcAft>
+                <a:spcPts val="850"/>
+              </a:spcAft>
+              <a:buSzPct val="45000"/>
+              <a:buFont typeface="StarSymbol"/>
+              <a:buChar char="●"/>
+              <a:defRPr lang="en-US" sz="2400" b="0" i="0" u="none" strike="noStrike" kern="1200">
+                <a:ln>
+                  <a:noFill/>
+                </a:ln>
+                <a:latin typeface="Arial" pitchFamily="18"/>
+                <a:ea typeface="Droid Sans" pitchFamily="2"/>
+                <a:cs typeface="Lohit Hindi" pitchFamily="2"/>
+              </a:defRPr>
+            </a:lvl3pPr>
+            <a:lvl4pPr marL="1728000" lvl="3" indent="-216000">
+              <a:spcBef>
+                <a:spcPts val="0"/>
+              </a:spcBef>
+              <a:spcAft>
+                <a:spcPts val="567"/>
+              </a:spcAft>
+              <a:buSzPct val="75000"/>
+              <a:buFont typeface="StarSymbol"/>
+              <a:buChar char="–"/>
+              <a:defRPr lang="en-US" sz="2000" b="0" i="0" u="none" strike="noStrike" kern="1200">
+                <a:ln>
+                  <a:noFill/>
+                </a:ln>
+                <a:latin typeface="Arial" pitchFamily="18"/>
+                <a:ea typeface="Droid Sans" pitchFamily="2"/>
+                <a:cs typeface="Lohit Hindi" pitchFamily="2"/>
+              </a:defRPr>
+            </a:lvl4pPr>
+            <a:lvl5pPr marL="2160000" lvl="4" indent="-216000">
+              <a:spcBef>
+                <a:spcPts val="0"/>
+              </a:spcBef>
+              <a:spcAft>
+                <a:spcPts val="283"/>
+              </a:spcAft>
+              <a:buSzPct val="45000"/>
+              <a:buFont typeface="StarSymbol"/>
+              <a:buChar char="●"/>
+              <a:defRPr lang="en-US" sz="2000" b="0" i="0" u="none" strike="noStrike" kern="1200">
+                <a:ln>
+                  <a:noFill/>
+                </a:ln>
+                <a:latin typeface="Arial" pitchFamily="18"/>
+                <a:ea typeface="Droid Sans" pitchFamily="2"/>
+                <a:cs typeface="Lohit Hindi" pitchFamily="2"/>
+              </a:defRPr>
+            </a:lvl5pPr>
+            <a:lvl6pPr marL="2592000" lvl="5" indent="-216000">
+              <a:spcBef>
+                <a:spcPts val="0"/>
+              </a:spcBef>
+              <a:spcAft>
+                <a:spcPts val="283"/>
+              </a:spcAft>
+              <a:buSzPct val="45000"/>
+              <a:buFont typeface="StarSymbol"/>
+              <a:buChar char="●"/>
+              <a:defRPr lang="en-US" sz="2000" b="0" i="0" u="none" strike="noStrike" kern="1200">
+                <a:ln>
+                  <a:noFill/>
+                </a:ln>
+                <a:latin typeface="Arial" pitchFamily="18"/>
+                <a:ea typeface="Droid Sans" pitchFamily="2"/>
+                <a:cs typeface="Lohit Hindi" pitchFamily="2"/>
+              </a:defRPr>
+            </a:lvl6pPr>
+            <a:lvl7pPr marL="3024000" lvl="6" indent="-216000">
+              <a:spcBef>
+                <a:spcPts val="0"/>
+              </a:spcBef>
+              <a:spcAft>
+                <a:spcPts val="283"/>
+              </a:spcAft>
+              <a:buSzPct val="45000"/>
+              <a:buFont typeface="StarSymbol"/>
+              <a:buChar char="●"/>
+              <a:defRPr lang="en-US" sz="2000" b="0" i="0" u="none" strike="noStrike" kern="1200">
+                <a:ln>
+                  <a:noFill/>
+                </a:ln>
+                <a:latin typeface="Arial" pitchFamily="18"/>
+                <a:ea typeface="Droid Sans" pitchFamily="2"/>
+                <a:cs typeface="Lohit Hindi" pitchFamily="2"/>
+              </a:defRPr>
+            </a:lvl7pPr>
+            <a:lvl8pPr marL="3456000" lvl="7" indent="-216000">
+              <a:spcBef>
+                <a:spcPts val="0"/>
+              </a:spcBef>
+              <a:spcAft>
+                <a:spcPts val="283"/>
+              </a:spcAft>
+              <a:buSzPct val="45000"/>
+              <a:buFont typeface="StarSymbol"/>
+              <a:buChar char="●"/>
+              <a:defRPr lang="en-US" sz="2000" b="0" i="0" u="none" strike="noStrike" kern="1200">
+                <a:ln>
+                  <a:noFill/>
+                </a:ln>
+                <a:latin typeface="Arial" pitchFamily="18"/>
+                <a:ea typeface="Droid Sans" pitchFamily="2"/>
+                <a:cs typeface="Lohit Hindi" pitchFamily="2"/>
+              </a:defRPr>
+            </a:lvl8pPr>
+            <a:lvl9pPr marL="3887999" lvl="8" indent="-216000">
+              <a:spcBef>
+                <a:spcPts val="0"/>
+              </a:spcBef>
+              <a:spcAft>
+                <a:spcPts val="283"/>
+              </a:spcAft>
+              <a:buSzPct val="45000"/>
+              <a:buFont typeface="StarSymbol"/>
+              <a:buChar char="●"/>
+              <a:defRPr lang="en-US" sz="2000" b="0" i="0" u="none" strike="noStrike" kern="1200">
+                <a:ln>
+                  <a:noFill/>
+                </a:ln>
+                <a:latin typeface="Arial" pitchFamily="18"/>
+                <a:ea typeface="Droid Sans" pitchFamily="2"/>
+                <a:cs typeface="Lohit Hindi" pitchFamily="2"/>
+              </a:defRPr>
+            </a:lvl9pPr>
+          </a:lstStyle>
+          <a:p>
+            <a:r>
+              <a:rPr lang="de-DE" sz="2800" dirty="0" err="1" smtClean="0"/>
+              <a:t>simplistic</a:t>
+            </a:r>
+            <a:r>
+              <a:rPr lang="de-DE" sz="2800" dirty="0" smtClean="0"/>
+              <a:t> </a:t>
+            </a:r>
+            <a:r>
+              <a:rPr lang="de-DE" sz="2800" dirty="0" err="1" smtClean="0"/>
+              <a:t>editor</a:t>
+            </a:r>
+            <a:endParaRPr lang="de-DE" sz="2800" dirty="0" smtClean="0"/>
+          </a:p>
+          <a:p>
+            <a:pPr lvl="1"/>
+            <a:r>
+              <a:rPr lang="de-DE" sz="2400" dirty="0" err="1" smtClean="0"/>
+              <a:t>lexical</a:t>
+            </a:r>
+            <a:r>
+              <a:rPr lang="de-DE" sz="2400" dirty="0" smtClean="0"/>
+              <a:t> </a:t>
+            </a:r>
+            <a:r>
+              <a:rPr lang="de-DE" sz="2400" dirty="0" err="1" smtClean="0"/>
+              <a:t>autocompletion</a:t>
+            </a:r>
+            <a:endParaRPr lang="de-DE" sz="2400" dirty="0"/>
+          </a:p>
+          <a:p>
+            <a:r>
+              <a:rPr lang="de-DE" sz="2800" dirty="0" err="1" smtClean="0"/>
+              <a:t>Git</a:t>
+            </a:r>
+            <a:r>
+              <a:rPr lang="de-DE" sz="2800" dirty="0" smtClean="0"/>
+              <a:t> </a:t>
+            </a:r>
+            <a:r>
+              <a:rPr lang="de-DE" sz="2800" dirty="0" err="1" smtClean="0"/>
+              <a:t>integration</a:t>
+            </a:r>
+            <a:r>
+              <a:rPr lang="de-DE" sz="2800" dirty="0" smtClean="0"/>
+              <a:t> </a:t>
+            </a:r>
+            <a:r>
+              <a:rPr lang="de-DE" sz="2800" dirty="0" err="1" smtClean="0"/>
+              <a:t>insufficient</a:t>
+            </a:r>
+            <a:endParaRPr lang="de-DE" sz="2800" dirty="0" smtClean="0"/>
+          </a:p>
+          <a:p>
+            <a:r>
+              <a:rPr lang="de-DE" sz="2800" dirty="0" err="1" smtClean="0"/>
+              <a:t>Console</a:t>
+            </a:r>
+            <a:r>
+              <a:rPr lang="de-DE" sz="2800" dirty="0" smtClean="0"/>
+              <a:t> </a:t>
+            </a:r>
+            <a:r>
+              <a:rPr lang="de-DE" sz="2800" dirty="0" err="1" smtClean="0"/>
+              <a:t>is</a:t>
+            </a:r>
+            <a:r>
+              <a:rPr lang="de-DE" sz="2800" dirty="0" smtClean="0"/>
+              <a:t> </a:t>
+            </a:r>
+            <a:r>
+              <a:rPr lang="de-DE" sz="2800" dirty="0" err="1" smtClean="0"/>
+              <a:t>main</a:t>
+            </a:r>
+            <a:r>
+              <a:rPr lang="de-DE" sz="2800" dirty="0" smtClean="0"/>
+              <a:t> </a:t>
+            </a:r>
+            <a:r>
+              <a:rPr lang="de-DE" sz="2800" dirty="0" err="1" smtClean="0"/>
+              <a:t>tool</a:t>
+            </a:r>
+            <a:endParaRPr lang="de-DE" sz="2800" dirty="0" smtClean="0"/>
+          </a:p>
+          <a:p>
+            <a:pPr lvl="1"/>
+            <a:r>
+              <a:rPr lang="de-DE" sz="2400" dirty="0" err="1" smtClean="0"/>
+              <a:t>Rough</a:t>
+            </a:r>
+            <a:r>
+              <a:rPr lang="de-DE" sz="2400" dirty="0" smtClean="0"/>
+              <a:t> </a:t>
+            </a:r>
+            <a:r>
+              <a:rPr lang="de-DE" sz="2400" dirty="0" err="1" smtClean="0"/>
+              <a:t>edges</a:t>
+            </a:r>
+            <a:endParaRPr lang="de-DE" sz="2400" dirty="0" smtClean="0"/>
+          </a:p>
+        </p:txBody>
+      </p:sp>
+      <p:cxnSp>
+        <p:nvCxnSpPr>
+          <p:cNvPr id="9" name="Straight Connector 8"/>
+          <p:cNvCxnSpPr/>
+          <p:nvPr/>
+        </p:nvCxnSpPr>
+        <p:spPr>
+          <a:xfrm>
+            <a:off x="4355976" y="1077840"/>
+            <a:ext cx="0" cy="4655416"/>
+          </a:xfrm>
+          <a:prstGeom prst="line">
+            <a:avLst/>
+          </a:prstGeom>
+        </p:spPr>
+        <p:style>
+          <a:lnRef idx="2">
+            <a:schemeClr val="dk1"/>
+          </a:lnRef>
+          <a:fillRef idx="0">
+            <a:schemeClr val="dk1"/>
+          </a:fillRef>
+          <a:effectRef idx="1">
+            <a:schemeClr val="dk1"/>
+          </a:effectRef>
+          <a:fontRef idx="minor">
+            <a:schemeClr val="tx1"/>
+          </a:fontRef>
+        </p:style>
+      </p:cxnSp>
+    </p:spTree>
+    <p:extLst>
+      <p:ext uri="{BB962C8B-B14F-4D97-AF65-F5344CB8AC3E}">
+        <p14:creationId xmlns:p14="http://schemas.microsoft.com/office/powerpoint/2010/main" val="992363670"/>
+      </p:ext>
+    </p:extLst>
+  </p:cSld>
+  <p:clrMapOvr>
+    <a:masterClrMapping/>
+  </p:clrMapOvr>
+  <mc:AlternateContent xmlns:mc="http://schemas.openxmlformats.org/markup-compatibility/2006">
+    <mc:Choice xmlns:p14="http://schemas.microsoft.com/office/powerpoint/2010/main" Requires="p14">
+      <p:transition spd="slow" p14:dur="2000"/>
+    </mc:Choice>
+    <mc:Fallback>
+      <p:transition spd="slow"/>
+    </mc:Fallback>
+  </mc:AlternateContent>
+  <p:timing>
+    <p:tnLst>
+      <p:par>
+        <p:cTn id="1" dur="indefinite" restart="never" nodeType="tmRoot"/>
+      </p:par>
+    </p:tnLst>
+  </p:timing>
+</p:sld>
+</file>
+
+<file path=ppt/slides/slide4.xml><?xml version="1.0" encoding="utf-8"?>
+<p:sld xmlns:a="http://schemas.openxmlformats.org/drawingml/2006/main" xmlns:r="http://schemas.openxmlformats.org/officeDocument/2006/relationships" xmlns:p="http://schemas.openxmlformats.org/presentationml/2006/main">
+  <p:cSld>
+    <p:spTree>
+      <p:nvGrpSpPr>
+        <p:cNvPr id="1" name=""/>
+        <p:cNvGrpSpPr/>
+        <p:nvPr/>
+      </p:nvGrpSpPr>
+      <p:grpSpPr>
+        <a:xfrm>
+          <a:off x="0" y="0"/>
+          <a:ext cx="0" cy="0"/>
+          <a:chOff x="0" y="0"/>
+          <a:chExt cx="0" cy="0"/>
+        </a:xfrm>
+      </p:grpSpPr>
+      <p:sp>
+        <p:nvSpPr>
+          <p:cNvPr id="2" name="Title 1"/>
+          <p:cNvSpPr txBox="1">
+            <a:spLocks noGrp="1"/>
+          </p:cNvSpPr>
+          <p:nvPr>
+            <p:ph type="title" idx="4294967295"/>
+          </p:nvPr>
+        </p:nvSpPr>
+        <p:spPr/>
+        <p:txBody>
+          <a:bodyPr/>
+          <a:lstStyle>
+            <a:defPPr lvl="0">
+              <a:buSzPct val="45000"/>
+              <a:buFont typeface="StarSymbol"/>
+              <a:buNone/>
+            </a:defPPr>
+            <a:lvl1pPr lvl="0">
+              <a:buSzPct val="45000"/>
+              <a:buFont typeface="StarSymbol"/>
+              <a:buChar char="●"/>
+            </a:lvl1pPr>
+            <a:lvl2pPr lvl="1">
+              <a:buSzPct val="45000"/>
+              <a:buFont typeface="StarSymbol"/>
+              <a:buChar char="●"/>
+            </a:lvl2pPr>
+            <a:lvl3pPr lvl="2">
+              <a:buSzPct val="45000"/>
+              <a:buFont typeface="StarSymbol"/>
+              <a:buChar char="●"/>
+            </a:lvl3pPr>
+            <a:lvl4pPr lvl="3">
+              <a:buSzPct val="45000"/>
+              <a:buFont typeface="StarSymbol"/>
+              <a:buChar char="●"/>
+            </a:lvl4pPr>
+            <a:lvl5pPr lvl="4">
+              <a:buSzPct val="45000"/>
+              <a:buFont typeface="StarSymbol"/>
+              <a:buChar char="●"/>
+            </a:lvl5pPr>
+            <a:lvl6pPr lvl="5">
+              <a:buSzPct val="45000"/>
+              <a:buFont typeface="StarSymbol"/>
+              <a:buChar char="●"/>
+            </a:lvl6pPr>
+            <a:lvl7pPr lvl="6">
+              <a:buSzPct val="45000"/>
+              <a:buFont typeface="StarSymbol"/>
+              <a:buChar char="●"/>
+            </a:lvl7pPr>
+            <a:lvl8pPr lvl="7">
+              <a:buSzPct val="45000"/>
+              <a:buFont typeface="StarSymbol"/>
+              <a:buChar char="●"/>
+            </a:lvl8pPr>
+            <a:lvl9pPr lvl="8">
+              <a:buSzPct val="45000"/>
+              <a:buFont typeface="StarSymbol"/>
+              <a:buChar char="●"/>
+            </a:lvl9pPr>
+          </a:lstStyle>
+          <a:p>
+            <a:pPr>
+              <a:buNone/>
+            </a:pPr>
+            <a:r>
+              <a:rPr lang="en-US" dirty="0" smtClean="0"/>
+              <a:t>Development Workflow</a:t>
+            </a:r>
+            <a:endParaRPr lang="en-US" dirty="0"/>
+          </a:p>
+        </p:txBody>
+      </p:sp>
+      <p:sp>
+        <p:nvSpPr>
+          <p:cNvPr id="3" name="Text Placeholder 2"/>
+          <p:cNvSpPr txBox="1">
+            <a:spLocks noGrp="1"/>
+          </p:cNvSpPr>
+          <p:nvPr>
+            <p:ph type="body" idx="4294967295"/>
+          </p:nvPr>
+        </p:nvSpPr>
+        <p:spPr>
+          <a:xfrm>
+            <a:off x="457200" y="1077840"/>
+            <a:ext cx="8046360" cy="5303488"/>
+          </a:xfrm>
+        </p:spPr>
+        <p:txBody>
+          <a:bodyPr/>
+          <a:lstStyle>
+            <a:defPPr marL="432000" lvl="0" indent="-324000">
+              <a:spcBef>
+                <a:spcPts val="0"/>
+              </a:spcBef>
+              <a:spcAft>
+                <a:spcPts val="1417"/>
+              </a:spcAft>
+              <a:buSzPct val="45000"/>
+              <a:buFont typeface="StarSymbol"/>
+              <a:buNone/>
+              <a:defRPr lang="en-US" sz="3200" b="0" i="0" u="none" strike="noStrike" kern="1200">
+                <a:ln>
+                  <a:noFill/>
+                </a:ln>
+                <a:latin typeface="Arial" pitchFamily="18"/>
+                <a:ea typeface="Droid Sans" pitchFamily="2"/>
+                <a:cs typeface="Lohit Hindi" pitchFamily="2"/>
+              </a:defRPr>
+            </a:defPPr>
+            <a:lvl1pPr marL="432000" lvl="0" indent="-324000">
+              <a:spcBef>
+                <a:spcPts val="0"/>
+              </a:spcBef>
+              <a:spcAft>
+                <a:spcPts val="1417"/>
+              </a:spcAft>
+              <a:buSzPct val="45000"/>
+              <a:buFont typeface="StarSymbol"/>
+              <a:buChar char="●"/>
+              <a:defRPr lang="en-US" sz="3200" b="0" i="0" u="none" strike="noStrike" kern="1200">
+                <a:ln>
+                  <a:noFill/>
+                </a:ln>
+                <a:latin typeface="Arial" pitchFamily="18"/>
+                <a:ea typeface="Droid Sans" pitchFamily="2"/>
+                <a:cs typeface="Lohit Hindi" pitchFamily="2"/>
+              </a:defRPr>
+            </a:lvl1pPr>
+            <a:lvl2pPr marL="864000" lvl="1" indent="-324000">
+              <a:spcBef>
+                <a:spcPts val="0"/>
+              </a:spcBef>
+              <a:spcAft>
+                <a:spcPts val="1134"/>
+              </a:spcAft>
+              <a:buSzPct val="75000"/>
+              <a:buFont typeface="StarSymbol"/>
+              <a:buChar char="–"/>
+              <a:defRPr lang="en-US" sz="2800" b="0" i="0" u="none" strike="noStrike" kern="1200">
+                <a:ln>
+                  <a:noFill/>
+                </a:ln>
+                <a:latin typeface="Arial" pitchFamily="18"/>
+                <a:ea typeface="Droid Sans" pitchFamily="2"/>
+                <a:cs typeface="Lohit Hindi" pitchFamily="2"/>
+              </a:defRPr>
+            </a:lvl2pPr>
+            <a:lvl3pPr marL="1295999" lvl="2" indent="-288000">
+              <a:spcBef>
+                <a:spcPts val="0"/>
+              </a:spcBef>
+              <a:spcAft>
+                <a:spcPts val="850"/>
+              </a:spcAft>
+              <a:buSzPct val="45000"/>
+              <a:buFont typeface="StarSymbol"/>
+              <a:buChar char="●"/>
+              <a:defRPr lang="en-US" sz="2400" b="0" i="0" u="none" strike="noStrike" kern="1200">
+                <a:ln>
+                  <a:noFill/>
+                </a:ln>
+                <a:latin typeface="Arial" pitchFamily="18"/>
+                <a:ea typeface="Droid Sans" pitchFamily="2"/>
+                <a:cs typeface="Lohit Hindi" pitchFamily="2"/>
+              </a:defRPr>
+            </a:lvl3pPr>
+            <a:lvl4pPr marL="1728000" lvl="3" indent="-216000">
+              <a:spcBef>
+                <a:spcPts val="0"/>
+              </a:spcBef>
+              <a:spcAft>
+                <a:spcPts val="567"/>
+              </a:spcAft>
+              <a:buSzPct val="75000"/>
+              <a:buFont typeface="StarSymbol"/>
+              <a:buChar char="–"/>
+              <a:defRPr lang="en-US" sz="2000" b="0" i="0" u="none" strike="noStrike" kern="1200">
+                <a:ln>
+                  <a:noFill/>
+                </a:ln>
+                <a:latin typeface="Arial" pitchFamily="18"/>
+                <a:ea typeface="Droid Sans" pitchFamily="2"/>
+                <a:cs typeface="Lohit Hindi" pitchFamily="2"/>
+              </a:defRPr>
+            </a:lvl4pPr>
+            <a:lvl5pPr marL="2160000" lvl="4" indent="-216000">
+              <a:spcBef>
+                <a:spcPts val="0"/>
+              </a:spcBef>
+              <a:spcAft>
+                <a:spcPts val="283"/>
+              </a:spcAft>
+              <a:buSzPct val="45000"/>
+              <a:buFont typeface="StarSymbol"/>
+              <a:buChar char="●"/>
+              <a:defRPr lang="en-US" sz="2000" b="0" i="0" u="none" strike="noStrike" kern="1200">
+                <a:ln>
+                  <a:noFill/>
+                </a:ln>
+                <a:latin typeface="Arial" pitchFamily="18"/>
+                <a:ea typeface="Droid Sans" pitchFamily="2"/>
+                <a:cs typeface="Lohit Hindi" pitchFamily="2"/>
+              </a:defRPr>
+            </a:lvl5pPr>
+            <a:lvl6pPr marL="2592000" lvl="5" indent="-216000">
+              <a:spcBef>
+                <a:spcPts val="0"/>
+              </a:spcBef>
+              <a:spcAft>
+                <a:spcPts val="283"/>
+              </a:spcAft>
+              <a:buSzPct val="45000"/>
+              <a:buFont typeface="StarSymbol"/>
+              <a:buChar char="●"/>
+              <a:defRPr lang="en-US" sz="2000" b="0" i="0" u="none" strike="noStrike" kern="1200">
+                <a:ln>
+                  <a:noFill/>
+                </a:ln>
+                <a:latin typeface="Arial" pitchFamily="18"/>
+                <a:ea typeface="Droid Sans" pitchFamily="2"/>
+                <a:cs typeface="Lohit Hindi" pitchFamily="2"/>
+              </a:defRPr>
+            </a:lvl6pPr>
+            <a:lvl7pPr marL="3024000" lvl="6" indent="-216000">
+              <a:spcBef>
+                <a:spcPts val="0"/>
+              </a:spcBef>
+              <a:spcAft>
+                <a:spcPts val="283"/>
+              </a:spcAft>
+              <a:buSzPct val="45000"/>
+              <a:buFont typeface="StarSymbol"/>
+              <a:buChar char="●"/>
+              <a:defRPr lang="en-US" sz="2000" b="0" i="0" u="none" strike="noStrike" kern="1200">
+                <a:ln>
+                  <a:noFill/>
+                </a:ln>
+                <a:latin typeface="Arial" pitchFamily="18"/>
+                <a:ea typeface="Droid Sans" pitchFamily="2"/>
+                <a:cs typeface="Lohit Hindi" pitchFamily="2"/>
+              </a:defRPr>
+            </a:lvl7pPr>
+            <a:lvl8pPr marL="3456000" lvl="7" indent="-216000">
+              <a:spcBef>
+                <a:spcPts val="0"/>
+              </a:spcBef>
+              <a:spcAft>
+                <a:spcPts val="283"/>
+              </a:spcAft>
+              <a:buSzPct val="45000"/>
+              <a:buFont typeface="StarSymbol"/>
+              <a:buChar char="●"/>
+              <a:defRPr lang="en-US" sz="2000" b="0" i="0" u="none" strike="noStrike" kern="1200">
+                <a:ln>
+                  <a:noFill/>
+                </a:ln>
+                <a:latin typeface="Arial" pitchFamily="18"/>
+                <a:ea typeface="Droid Sans" pitchFamily="2"/>
+                <a:cs typeface="Lohit Hindi" pitchFamily="2"/>
+              </a:defRPr>
+            </a:lvl8pPr>
+            <a:lvl9pPr marL="3887999" lvl="8" indent="-216000">
+              <a:spcBef>
+                <a:spcPts val="0"/>
+              </a:spcBef>
+              <a:spcAft>
+                <a:spcPts val="283"/>
+              </a:spcAft>
+              <a:buSzPct val="45000"/>
+              <a:buFont typeface="StarSymbol"/>
+              <a:buChar char="●"/>
+              <a:defRPr lang="en-US" sz="2000" b="0" i="0" u="none" strike="noStrike" kern="1200">
+                <a:ln>
+                  <a:noFill/>
+                </a:ln>
+                <a:latin typeface="Arial" pitchFamily="18"/>
+                <a:ea typeface="Droid Sans" pitchFamily="2"/>
+                <a:cs typeface="Lohit Hindi" pitchFamily="2"/>
+              </a:defRPr>
+            </a:lvl9pPr>
+          </a:lstStyle>
+          <a:p>
+            <a:r>
+              <a:rPr lang="en-US" sz="2800" dirty="0" smtClean="0"/>
               <a:t>Switching back and forth between windows:</a:t>
             </a:r>
           </a:p>
           <a:p>
             <a:r>
-              <a:rPr lang="en-US" sz="2800" dirty="0"/>
-              <a:t>no debug support from Cloud9 </a:t>
+              <a:rPr lang="en-US" sz="2800" dirty="0" smtClean="0">
+                <a:sym typeface="Wingdings" pitchFamily="2" charset="2"/>
+              </a:rPr>
+              <a:t>Debugging </a:t>
             </a:r>
             <a:r>
               <a:rPr lang="en-US" sz="2800" dirty="0">
                 <a:sym typeface="Wingdings" pitchFamily="2" charset="2"/>
               </a:rPr>
-              <a:t> debug in browser integrated debuggers (firebug, </a:t>
+              <a:t>in browser integrated debuggers (firebug, </a:t>
             </a:r>
             <a:r>
               <a:rPr lang="en-US" sz="2800" dirty="0" err="1">
@@ -8249,9 +9306,18 @@
           <a:prstGeom prst="rect">
             <a:avLst/>
           </a:prstGeom>
-          <a:noFill/>
+          <a:ln>
+            <a:noFill/>
+          </a:ln>
+          <a:effectLst>
+            <a:outerShdw blurRad="292100" dist="139700" dir="2700000" algn="tl" rotWithShape="0">
+              <a:srgbClr val="333333">
+                <a:alpha val="65000"/>
+              </a:srgbClr>
+            </a:outerShdw>
+          </a:effectLst>
           <a:extLst>
-            <a:ext uri="{909E8E84-426E-40dd-AFC4-6F175D3DCCD1}">
+            <a:ext uri="{909E8E84-426E-40DD-AFC4-6F175D3DCCD1}">
               <a14:hiddenFill xmlns:a14="http://schemas.microsoft.com/office/drawing/2010/main">
                 <a:solidFill>
                   <a:srgbClr val="FFFFFF"/>
@@ -8288,20 +9354,25 @@
           <a:prstGeom prst="rect">
             <a:avLst/>
           </a:prstGeom>
-          <a:noFill/>
           <a:ln>
             <a:noFill/>
           </a:ln>
-          <a:effectLst/>
+          <a:effectLst>
+            <a:outerShdw blurRad="292100" dist="139700" dir="2700000" algn="tl" rotWithShape="0">
+              <a:srgbClr val="333333">
+                <a:alpha val="65000"/>
+              </a:srgbClr>
+            </a:outerShdw>
+          </a:effectLst>
           <a:extLst>
-            <a:ext uri="{909E8E84-426E-40dd-AFC4-6F175D3DCCD1}">
+            <a:ext uri="{909E8E84-426E-40DD-AFC4-6F175D3DCCD1}">
               <a14:hiddenFill xmlns:a14="http://schemas.microsoft.com/office/drawing/2010/main">
                 <a:solidFill>
                   <a:schemeClr val="accent1"/>
                 </a:solidFill>
               </a14:hiddenFill>
             </a:ext>
-            <a:ext uri="{91240B29-F687-4f45-9708-019B960494DF}">
+            <a:ext uri="{91240B29-F687-4F45-9708-019B960494DF}">
               <a14:hiddenLine xmlns:a14="http://schemas.microsoft.com/office/drawing/2010/main" w="9525">
                 <a:solidFill>
                   <a:schemeClr val="tx1"/>
@@ -8311,7 +9382,7 @@
                 <a:tailEnd/>
               </a14:hiddenLine>
             </a:ext>
-            <a:ext uri="{AF507438-7753-43e0-B8FC-AC1667EBCBE1}">
+            <a:ext uri="{AF507438-7753-43E0-B8FC-AC1667EBCBE1}">
               <a14:hiddenEffects xmlns:a14="http://schemas.microsoft.com/office/drawing/2010/main">
                 <a:effectLst>
                   <a:outerShdw dist="35921" dir="2700000" algn="ctr" rotWithShape="0">
@@ -8434,14 +9505,14 @@
   <p:timing>
     <p:tnLst>
       <p:par>
-        <p:cTn xmlns:p14="http://schemas.microsoft.com/office/powerpoint/2010/main" id="1" dur="indefinite" restart="never" nodeType="tmRoot"/>
+        <p:cTn id="1" dur="indefinite" restart="never" nodeType="tmRoot"/>
       </p:par>
     </p:tnLst>
   </p:timing>
 </p:sld>
 </file>
 
-<file path=ppt/slides/slide4.xml><?xml version="1.0" encoding="utf-8"?>
+<file path=ppt/slides/slide5.xml><?xml version="1.0" encoding="utf-8"?>
 <p:sld xmlns:a="http://schemas.openxmlformats.org/drawingml/2006/main" xmlns:r="http://schemas.openxmlformats.org/officeDocument/2006/relationships" xmlns:p="http://schemas.openxmlformats.org/presentationml/2006/main">
   <p:cSld>
     <p:spTree>
@@ -8460,83 +9531,6 @@
       </p:grpSpPr>
       <p:sp>
         <p:nvSpPr>
-          <p:cNvPr id="2" name="Title 1"/>
-          <p:cNvSpPr txBox="1">
-            <a:spLocks noGrp="1"/>
-          </p:cNvSpPr>
-          <p:nvPr>
-            <p:ph type="title" idx="4294967295"/>
-          </p:nvPr>
-        </p:nvSpPr>
-        <p:spPr/>
-        <p:txBody>
-          <a:bodyPr/>
-          <a:lstStyle>
-            <a:defPPr lvl="0">
-              <a:buSzPct val="45000"/>
-              <a:buFont typeface="StarSymbol"/>
-              <a:buNone/>
-            </a:defPPr>
-            <a:lvl1pPr lvl="0">
-              <a:buSzPct val="45000"/>
-              <a:buFont typeface="StarSymbol"/>
-              <a:buChar char="●"/>
-            </a:lvl1pPr>
-            <a:lvl2pPr lvl="1">
-              <a:buSzPct val="45000"/>
-              <a:buFont typeface="StarSymbol"/>
-              <a:buChar char="●"/>
-            </a:lvl2pPr>
-            <a:lvl3pPr lvl="2">
-              <a:buSzPct val="45000"/>
-              <a:buFont typeface="StarSymbol"/>
-              <a:buChar char="●"/>
-            </a:lvl3pPr>
-            <a:lvl4pPr lvl="3">
-              <a:buSzPct val="45000"/>
-              <a:buFont typeface="StarSymbol"/>
-              <a:buChar char="●"/>
-            </a:lvl4pPr>
-            <a:lvl5pPr lvl="4">
-              <a:buSzPct val="45000"/>
-              <a:buFont typeface="StarSymbol"/>
-              <a:buChar char="●"/>
-            </a:lvl5pPr>
-            <a:lvl6pPr lvl="5">
-              <a:buSzPct val="45000"/>
-              <a:buFont typeface="StarSymbol"/>
-              <a:buChar char="●"/>
-            </a:lvl6pPr>
-            <a:lvl7pPr lvl="6">
-              <a:buSzPct val="45000"/>
-              <a:buFont typeface="StarSymbol"/>
-              <a:buChar char="●"/>
-            </a:lvl7pPr>
-            <a:lvl8pPr lvl="7">
-              <a:buSzPct val="45000"/>
-              <a:buFont typeface="StarSymbol"/>
-              <a:buChar char="●"/>
-            </a:lvl8pPr>
-            <a:lvl9pPr lvl="8">
-              <a:buSzPct val="45000"/>
-              <a:buFont typeface="StarSymbol"/>
-              <a:buChar char="●"/>
-            </a:lvl9pPr>
-          </a:lstStyle>
-          <a:p>
-            <a:pPr>
-              <a:buNone/>
-            </a:pPr>
-            <a:r>
-              <a:rPr lang="en-US" dirty="0" smtClean="0"/>
-              <a:t>Development Workflow</a:t>
-            </a:r>
-            <a:endParaRPr lang="en-US" dirty="0"/>
-          </a:p>
-        </p:txBody>
-      </p:sp>
-      <p:sp>
-        <p:nvSpPr>
           <p:cNvPr id="3" name="Text Placeholder 2"/>
           <p:cNvSpPr txBox="1">
             <a:spLocks noGrp="1"/>
@@ -8774,13 +9768,20 @@
             </a:r>
           </a:p>
           <a:p>
+            <a:endParaRPr lang="en-US" sz="100" dirty="0" smtClean="0"/>
+          </a:p>
+          <a:p>
             <a:r>
               <a:rPr lang="en-US" sz="2800" dirty="0" err="1" smtClean="0"/>
               <a:t>git</a:t>
             </a:r>
             <a:r>
               <a:rPr lang="en-US" sz="2800" dirty="0" smtClean="0"/>
-              <a:t> workflow is not properly supported by Cloud9</a:t>
+              <a:t> </a:t>
+            </a:r>
+            <a:r>
+              <a:rPr lang="en-US" sz="2800" dirty="0" smtClean="0"/>
+              <a:t>workflow is not properly supported by Cloud9</a:t>
             </a:r>
           </a:p>
           <a:p>
@@ -8788,137 +9789,14 @@
           </a:p>
           <a:p>
             <a:endParaRPr lang="en-US" sz="2800" dirty="0"/>
-          </a:p>
-        </p:txBody>
-      </p:sp>
-      <p:cxnSp>
-        <p:nvCxnSpPr>
-          <p:cNvPr id="11" name="Elbow Connector 10"/>
-          <p:cNvCxnSpPr/>
-          <p:nvPr/>
-        </p:nvCxnSpPr>
-        <p:spPr>
-          <a:xfrm rot="10800000" flipV="1">
-            <a:off x="3059832" y="1484784"/>
-            <a:ext cx="3672408" cy="216024"/>
-          </a:xfrm>
-          <a:prstGeom prst="bentConnector3">
-            <a:avLst/>
-          </a:prstGeom>
-          <a:ln>
-            <a:tailEnd type="arrow"/>
-          </a:ln>
-        </p:spPr>
-        <p:style>
-          <a:lnRef idx="1">
-            <a:schemeClr val="accent1"/>
-          </a:lnRef>
-          <a:fillRef idx="0">
-            <a:schemeClr val="accent1"/>
-          </a:fillRef>
-          <a:effectRef idx="0">
-            <a:schemeClr val="accent1"/>
-          </a:effectRef>
-          <a:fontRef idx="minor">
-            <a:schemeClr val="tx1"/>
-          </a:fontRef>
-        </p:style>
-      </p:cxnSp>
-      <p:sp>
-        <p:nvSpPr>
-          <p:cNvPr id="13" name="Date Placeholder 1"/>
-          <p:cNvSpPr>
-            <a:spLocks noGrp="1"/>
-          </p:cNvSpPr>
-          <p:nvPr>
-            <p:ph type="dt" sz="half" idx="10"/>
-          </p:nvPr>
-        </p:nvSpPr>
-        <p:spPr>
-          <a:xfrm>
-            <a:off x="0" y="6583679"/>
-            <a:ext cx="1097280" cy="274320"/>
-          </a:xfrm>
-        </p:spPr>
-        <p:txBody>
-          <a:bodyPr/>
-          <a:lstStyle/>
-          <a:p>
-            <a:pPr lvl="0"/>
-            <a:r>
-              <a:rPr lang="en-US" dirty="0" smtClean="0"/>
-              <a:t>15.05.2012</a:t>
-            </a:r>
-            <a:endParaRPr lang="en-US" dirty="0"/>
-          </a:p>
-        </p:txBody>
-      </p:sp>
-      <p:sp>
-        <p:nvSpPr>
-          <p:cNvPr id="14" name="Footer Placeholder 2"/>
-          <p:cNvSpPr>
-            <a:spLocks noGrp="1"/>
-          </p:cNvSpPr>
-          <p:nvPr>
-            <p:ph type="ftr" sz="quarter" idx="11"/>
-          </p:nvPr>
-        </p:nvSpPr>
-        <p:spPr>
-          <a:xfrm>
-            <a:off x="1277280" y="6583679"/>
-            <a:ext cx="5526968" cy="274320"/>
-          </a:xfrm>
-        </p:spPr>
-        <p:txBody>
-          <a:bodyPr/>
-          <a:lstStyle/>
-          <a:p>
-            <a:pPr lvl="0"/>
-            <a:r>
-              <a:rPr lang="en-US" dirty="0" smtClean="0"/>
-              <a:t>| </a:t>
-            </a:r>
-            <a:r>
-              <a:rPr lang="en-US" dirty="0" err="1" smtClean="0"/>
-              <a:t>Kahl</a:t>
-            </a:r>
-            <a:r>
-              <a:rPr lang="en-US" dirty="0" smtClean="0"/>
-              <a:t>, </a:t>
-            </a:r>
-            <a:r>
-              <a:rPr lang="en-US" dirty="0" err="1" smtClean="0"/>
-              <a:t>Platz</a:t>
-            </a:r>
-            <a:r>
-              <a:rPr lang="en-US" dirty="0" smtClean="0"/>
-              <a:t>, </a:t>
-            </a:r>
-            <a:r>
-              <a:rPr lang="en-US" dirty="0" err="1" smtClean="0"/>
-              <a:t>Schilf</a:t>
-            </a:r>
-            <a:r>
-              <a:rPr lang="en-US" dirty="0" smtClean="0"/>
-              <a:t> | Web-</a:t>
-            </a:r>
-            <a:r>
-              <a:rPr lang="en-US" dirty="0" err="1" smtClean="0"/>
-              <a:t>dev</a:t>
-            </a:r>
-            <a:r>
-              <a:rPr lang="en-US" dirty="0" smtClean="0"/>
-              <a:t> SS 2012</a:t>
-            </a:r>
-            <a:endParaRPr lang="en-US" dirty="0"/>
           </a:p>
         </p:txBody>
       </p:sp>
       <p:pic>
         <p:nvPicPr>
-          <p:cNvPr id="4" name="Picture 3" descr="gitx.png"/>
+          <p:cNvPr id="3074" name="Picture 2" descr="D:\studiensachn\Web-based_Software_Development_Environments\repo\seminar\presentation\pics\cloud9-console.jpg"/>
           <p:cNvPicPr>
-            <a:picLocks noChangeAspect="1"/>
+            <a:picLocks noChangeAspect="1" noChangeArrowheads="1"/>
           </p:cNvPicPr>
           <p:nvPr/>
         </p:nvPicPr>
@@ -8930,23 +9808,210 @@
               </a:ext>
             </a:extLst>
           </a:blip>
+          <a:srcRect/>
           <a:stretch>
             <a:fillRect/>
           </a:stretch>
         </p:blipFill>
-        <p:spPr>
+        <p:spPr bwMode="auto">
           <a:xfrm>
-            <a:off x="395536" y="2420888"/>
-            <a:ext cx="5663768" cy="3861886"/>
+            <a:off x="395536" y="2472774"/>
+            <a:ext cx="8128000" cy="3810000"/>
           </a:xfrm>
           <a:prstGeom prst="rect">
             <a:avLst/>
           </a:prstGeom>
+          <a:ln>
+            <a:noFill/>
+          </a:ln>
+          <a:effectLst>
+            <a:outerShdw blurRad="292100" dist="139700" dir="2700000" algn="tl" rotWithShape="0">
+              <a:srgbClr val="333333">
+                <a:alpha val="65000"/>
+              </a:srgbClr>
+            </a:outerShdw>
+          </a:effectLst>
+          <a:extLst>
+            <a:ext uri="{909E8E84-426E-40DD-AFC4-6F175D3DCCD1}">
+              <a14:hiddenFill xmlns:a14="http://schemas.microsoft.com/office/drawing/2010/main">
+                <a:solidFill>
+                  <a:srgbClr val="FFFFFF"/>
+                </a:solidFill>
+              </a14:hiddenFill>
+            </a:ext>
+          </a:extLst>
         </p:spPr>
       </p:pic>
+      <p:sp>
+        <p:nvSpPr>
+          <p:cNvPr id="2" name="Title 1"/>
+          <p:cNvSpPr txBox="1">
+            <a:spLocks noGrp="1"/>
+          </p:cNvSpPr>
+          <p:nvPr>
+            <p:ph type="title" idx="4294967295"/>
+          </p:nvPr>
+        </p:nvSpPr>
+        <p:spPr/>
+        <p:txBody>
+          <a:bodyPr/>
+          <a:lstStyle>
+            <a:defPPr lvl="0">
+              <a:buSzPct val="45000"/>
+              <a:buFont typeface="StarSymbol"/>
+              <a:buNone/>
+            </a:defPPr>
+            <a:lvl1pPr lvl="0">
+              <a:buSzPct val="45000"/>
+              <a:buFont typeface="StarSymbol"/>
+              <a:buChar char="●"/>
+            </a:lvl1pPr>
+            <a:lvl2pPr lvl="1">
+              <a:buSzPct val="45000"/>
+              <a:buFont typeface="StarSymbol"/>
+              <a:buChar char="●"/>
+            </a:lvl2pPr>
+            <a:lvl3pPr lvl="2">
+              <a:buSzPct val="45000"/>
+              <a:buFont typeface="StarSymbol"/>
+              <a:buChar char="●"/>
+            </a:lvl3pPr>
+            <a:lvl4pPr lvl="3">
+              <a:buSzPct val="45000"/>
+              <a:buFont typeface="StarSymbol"/>
+              <a:buChar char="●"/>
+            </a:lvl4pPr>
+            <a:lvl5pPr lvl="4">
+              <a:buSzPct val="45000"/>
+              <a:buFont typeface="StarSymbol"/>
+              <a:buChar char="●"/>
+            </a:lvl5pPr>
+            <a:lvl6pPr lvl="5">
+              <a:buSzPct val="45000"/>
+              <a:buFont typeface="StarSymbol"/>
+              <a:buChar char="●"/>
+            </a:lvl6pPr>
+            <a:lvl7pPr lvl="6">
+              <a:buSzPct val="45000"/>
+              <a:buFont typeface="StarSymbol"/>
+              <a:buChar char="●"/>
+            </a:lvl7pPr>
+            <a:lvl8pPr lvl="7">
+              <a:buSzPct val="45000"/>
+              <a:buFont typeface="StarSymbol"/>
+              <a:buChar char="●"/>
+            </a:lvl8pPr>
+            <a:lvl9pPr lvl="8">
+              <a:buSzPct val="45000"/>
+              <a:buFont typeface="StarSymbol"/>
+              <a:buChar char="●"/>
+            </a:lvl9pPr>
+          </a:lstStyle>
+          <a:p>
+            <a:pPr>
+              <a:buNone/>
+            </a:pPr>
+            <a:r>
+              <a:rPr lang="en-US" dirty="0" smtClean="0"/>
+              <a:t>Development Workflow</a:t>
+            </a:r>
+            <a:endParaRPr lang="en-US" dirty="0"/>
+          </a:p>
+        </p:txBody>
+      </p:sp>
+      <p:sp>
+        <p:nvSpPr>
+          <p:cNvPr id="13" name="Date Placeholder 1"/>
+          <p:cNvSpPr>
+            <a:spLocks noGrp="1"/>
+          </p:cNvSpPr>
+          <p:nvPr>
+            <p:ph type="dt" sz="half" idx="10"/>
+          </p:nvPr>
+        </p:nvSpPr>
+        <p:spPr>
+          <a:xfrm>
+            <a:off x="0" y="6583679"/>
+            <a:ext cx="1097280" cy="274320"/>
+          </a:xfrm>
+        </p:spPr>
+        <p:txBody>
+          <a:bodyPr/>
+          <a:lstStyle/>
+          <a:p>
+            <a:pPr lvl="0"/>
+            <a:r>
+              <a:rPr lang="en-US" dirty="0" smtClean="0"/>
+              <a:t>15.05.2012</a:t>
+            </a:r>
+            <a:endParaRPr lang="en-US" dirty="0"/>
+          </a:p>
+        </p:txBody>
+      </p:sp>
+      <p:sp>
+        <p:nvSpPr>
+          <p:cNvPr id="14" name="Footer Placeholder 2"/>
+          <p:cNvSpPr>
+            <a:spLocks noGrp="1"/>
+          </p:cNvSpPr>
+          <p:nvPr>
+            <p:ph type="ftr" sz="quarter" idx="11"/>
+          </p:nvPr>
+        </p:nvSpPr>
+        <p:spPr>
+          <a:xfrm>
+            <a:off x="1277280" y="6583679"/>
+            <a:ext cx="5526968" cy="274320"/>
+          </a:xfrm>
+        </p:spPr>
+        <p:txBody>
+          <a:bodyPr/>
+          <a:lstStyle/>
+          <a:p>
+            <a:pPr lvl="0"/>
+            <a:r>
+              <a:rPr lang="en-US" dirty="0" smtClean="0"/>
+              <a:t>| </a:t>
+            </a:r>
+            <a:r>
+              <a:rPr lang="en-US" dirty="0" err="1" smtClean="0"/>
+              <a:t>Kahl</a:t>
+            </a:r>
+            <a:r>
+              <a:rPr lang="en-US" dirty="0" smtClean="0"/>
+              <a:t>, </a:t>
+            </a:r>
+            <a:r>
+              <a:rPr lang="en-US" dirty="0" err="1" smtClean="0"/>
+              <a:t>Platz</a:t>
+            </a:r>
+            <a:r>
+              <a:rPr lang="en-US" dirty="0" smtClean="0"/>
+              <a:t>, </a:t>
+            </a:r>
+            <a:r>
+              <a:rPr lang="en-US" dirty="0" err="1" smtClean="0"/>
+              <a:t>Schilf</a:t>
+            </a:r>
+            <a:r>
+              <a:rPr lang="en-US" dirty="0" smtClean="0"/>
+              <a:t> | Web-</a:t>
+            </a:r>
+            <a:r>
+              <a:rPr lang="en-US" dirty="0" err="1" smtClean="0"/>
+              <a:t>dev</a:t>
+            </a:r>
+            <a:r>
+              <a:rPr lang="en-US" dirty="0" smtClean="0"/>
+              <a:t> SS 2012</a:t>
+            </a:r>
+            <a:endParaRPr lang="en-US" dirty="0"/>
+          </a:p>
+        </p:txBody>
+      </p:sp>
       <p:pic>
         <p:nvPicPr>
-          <p:cNvPr id="5" name="Picture 4" descr="git-diff.png"/>
+          <p:cNvPr id="4" name="Picture 3" descr="gitx.png"/>
           <p:cNvPicPr>
             <a:picLocks noChangeAspect="1"/>
           </p:cNvPicPr>
@@ -8966,12 +10031,135 @@
         </p:blipFill>
         <p:spPr>
           <a:xfrm>
-            <a:off x="3851920" y="2492896"/>
-            <a:ext cx="6057900" cy="2387600"/>
+            <a:off x="553944" y="2528900"/>
+            <a:ext cx="5346951" cy="3645862"/>
           </a:xfrm>
           <a:prstGeom prst="rect">
             <a:avLst/>
           </a:prstGeom>
+          <a:ln>
+            <a:noFill/>
+          </a:ln>
+          <a:effectLst>
+            <a:outerShdw blurRad="292100" dist="139700" dir="2700000" algn="tl" rotWithShape="0">
+              <a:srgbClr val="333333">
+                <a:alpha val="65000"/>
+              </a:srgbClr>
+            </a:outerShdw>
+          </a:effectLst>
+        </p:spPr>
+      </p:pic>
+      <p:pic>
+        <p:nvPicPr>
+          <p:cNvPr id="5" name="Picture 4" descr="git-diff.png"/>
+          <p:cNvPicPr>
+            <a:picLocks noChangeAspect="1"/>
+          </p:cNvPicPr>
+          <p:nvPr/>
+        </p:nvPicPr>
+        <p:blipFill rotWithShape="1">
+          <a:blip r:embed="rId5">
+            <a:extLst>
+              <a:ext uri="{28A0092B-C50C-407E-A947-70E740481C1C}">
+                <a14:useLocalDpi xmlns:a14="http://schemas.microsoft.com/office/drawing/2010/main" val="0"/>
+              </a:ext>
+            </a:extLst>
+          </a:blip>
+          <a:srcRect r="22154"/>
+          <a:stretch/>
+        </p:blipFill>
+        <p:spPr>
+          <a:xfrm>
+            <a:off x="4932040" y="3414365"/>
+            <a:ext cx="3703261" cy="1874932"/>
+          </a:xfrm>
+          <a:prstGeom prst="rect">
+            <a:avLst/>
+          </a:prstGeom>
+          <a:ln>
+            <a:noFill/>
+          </a:ln>
+          <a:effectLst>
+            <a:outerShdw blurRad="292100" dist="139700" dir="2700000" algn="tl" rotWithShape="0">
+              <a:srgbClr val="333333">
+                <a:alpha val="65000"/>
+              </a:srgbClr>
+            </a:outerShdw>
+          </a:effectLst>
+        </p:spPr>
+      </p:pic>
+      <p:pic>
+        <p:nvPicPr>
+          <p:cNvPr id="3075" name="Picture 3"/>
+          <p:cNvPicPr>
+            <a:picLocks noChangeAspect="1" noChangeArrowheads="1"/>
+          </p:cNvPicPr>
+          <p:nvPr/>
+        </p:nvPicPr>
+        <p:blipFill>
+          <a:blip r:embed="rId6">
+            <a:clrChange>
+              <a:clrFrom>
+                <a:srgbClr val="FFFFFF"/>
+              </a:clrFrom>
+              <a:clrTo>
+                <a:srgbClr val="FFFFFF">
+                  <a:alpha val="0"/>
+                </a:srgbClr>
+              </a:clrTo>
+            </a:clrChange>
+            <a:extLst>
+              <a:ext uri="{28A0092B-C50C-407E-A947-70E740481C1C}">
+                <a14:useLocalDpi xmlns:a14="http://schemas.microsoft.com/office/drawing/2010/main" val="0"/>
+              </a:ext>
+            </a:extLst>
+          </a:blip>
+          <a:srcRect/>
+          <a:stretch>
+            <a:fillRect/>
+          </a:stretch>
+        </p:blipFill>
+        <p:spPr bwMode="auto">
+          <a:xfrm>
+            <a:off x="3227420" y="1484784"/>
+            <a:ext cx="2847975" cy="228600"/>
+          </a:xfrm>
+          <a:prstGeom prst="rect">
+            <a:avLst/>
+          </a:prstGeom>
+          <a:noFill/>
+          <a:ln>
+            <a:noFill/>
+          </a:ln>
+          <a:effectLst/>
+          <a:extLst>
+            <a:ext uri="{909E8E84-426E-40DD-AFC4-6F175D3DCCD1}">
+              <a14:hiddenFill xmlns:a14="http://schemas.microsoft.com/office/drawing/2010/main">
+                <a:solidFill>
+                  <a:schemeClr val="accent1"/>
+                </a:solidFill>
+              </a14:hiddenFill>
+            </a:ext>
+            <a:ext uri="{91240B29-F687-4F45-9708-019B960494DF}">
+              <a14:hiddenLine xmlns:a14="http://schemas.microsoft.com/office/drawing/2010/main" w="9525">
+                <a:solidFill>
+                  <a:schemeClr val="tx1"/>
+                </a:solidFill>
+                <a:miter lim="800000"/>
+                <a:headEnd/>
+                <a:tailEnd/>
+              </a14:hiddenLine>
+            </a:ext>
+            <a:ext uri="{AF507438-7753-43E0-B8FC-AC1667EBCBE1}">
+              <a14:hiddenEffects xmlns:a14="http://schemas.microsoft.com/office/drawing/2010/main">
+                <a:effectLst>
+                  <a:outerShdw dist="35921" dir="2700000" algn="ctr" rotWithShape="0">
+                    <a:schemeClr val="bg2"/>
+                  </a:outerShdw>
+                </a:effectLst>
+              </a14:hiddenEffects>
+            </a:ext>
+          </a:extLst>
         </p:spPr>
       </p:pic>
     </p:spTree>
@@ -8995,7 +10183,1043 @@
   <p:timing>
     <p:tnLst>
       <p:par>
-        <p:cTn xmlns:p14="http://schemas.microsoft.com/office/powerpoint/2010/main" id="1" dur="indefinite" restart="never" nodeType="tmRoot"/>
+        <p:cTn id="1" dur="indefinite" restart="never" nodeType="tmRoot">
+          <p:childTnLst>
+            <p:seq concurrent="1" nextAc="seek">
+              <p:cTn id="2" dur="indefinite" nodeType="mainSeq">
+                <p:childTnLst>
+                  <p:par>
+                    <p:cTn id="3" fill="hold">
+                      <p:stCondLst>
+                        <p:cond delay="indefinite"/>
+                      </p:stCondLst>
+                      <p:childTnLst>
+                        <p:par>
+                          <p:cTn id="4" fill="hold">
+                            <p:stCondLst>
+                              <p:cond delay="0"/>
+                            </p:stCondLst>
+                            <p:childTnLst>
+                              <p:par>
+                                <p:cTn id="5" presetID="1" presetClass="entr" presetSubtype="0" fill="hold" nodeType="clickEffect">
+                                  <p:stCondLst>
+                                    <p:cond delay="0"/>
+                                  </p:stCondLst>
+                                  <p:childTnLst>
+                                    <p:set>
+                                      <p:cBhvr>
+                                        <p:cTn id="6" dur="1" fill="hold">
+                                          <p:stCondLst>
+                                            <p:cond delay="0"/>
+                                          </p:stCondLst>
+                                        </p:cTn>
+                                        <p:tgtEl>
+                                          <p:spTgt spid="4"/>
+                                        </p:tgtEl>
+                                        <p:attrNameLst>
+                                          <p:attrName>style.visibility</p:attrName>
+                                        </p:attrNameLst>
+                                      </p:cBhvr>
+                                      <p:to>
+                                        <p:strVal val="visible"/>
+                                      </p:to>
+                                    </p:set>
+                                  </p:childTnLst>
+                                </p:cTn>
+                              </p:par>
+                              <p:par>
+                                <p:cTn id="7" presetID="1" presetClass="entr" presetSubtype="0" fill="hold" nodeType="withEffect">
+                                  <p:stCondLst>
+                                    <p:cond delay="0"/>
+                                  </p:stCondLst>
+                                  <p:childTnLst>
+                                    <p:set>
+                                      <p:cBhvr>
+                                        <p:cTn id="8" dur="1" fill="hold">
+                                          <p:stCondLst>
+                                            <p:cond delay="0"/>
+                                          </p:stCondLst>
+                                        </p:cTn>
+                                        <p:tgtEl>
+                                          <p:spTgt spid="5"/>
+                                        </p:tgtEl>
+                                        <p:attrNameLst>
+                                          <p:attrName>style.visibility</p:attrName>
+                                        </p:attrNameLst>
+                                      </p:cBhvr>
+                                      <p:to>
+                                        <p:strVal val="visible"/>
+                                      </p:to>
+                                    </p:set>
+                                  </p:childTnLst>
+                                </p:cTn>
+                              </p:par>
+                              <p:par>
+                                <p:cTn id="9" presetID="1" presetClass="exit" presetSubtype="0" fill="hold" nodeType="withEffect">
+                                  <p:stCondLst>
+                                    <p:cond delay="0"/>
+                                  </p:stCondLst>
+                                  <p:childTnLst>
+                                    <p:set>
+                                      <p:cBhvr>
+                                        <p:cTn id="10" dur="1" fill="hold">
+                                          <p:stCondLst>
+                                            <p:cond delay="0"/>
+                                          </p:stCondLst>
+                                        </p:cTn>
+                                        <p:tgtEl>
+                                          <p:spTgt spid="3074"/>
+                                        </p:tgtEl>
+                                        <p:attrNameLst>
+                                          <p:attrName>style.visibility</p:attrName>
+                                        </p:attrNameLst>
+                                      </p:cBhvr>
+                                      <p:to>
+                                        <p:strVal val="hidden"/>
+                                      </p:to>
+                                    </p:set>
+                                  </p:childTnLst>
+                                </p:cTn>
+                              </p:par>
+                            </p:childTnLst>
+                          </p:cTn>
+                        </p:par>
+                      </p:childTnLst>
+                    </p:cTn>
+                  </p:par>
+                </p:childTnLst>
+              </p:cTn>
+              <p:prevCondLst>
+                <p:cond evt="onPrev" delay="0">
+                  <p:tgtEl>
+                    <p:sldTgt/>
+                  </p:tgtEl>
+                </p:cond>
+              </p:prevCondLst>
+              <p:nextCondLst>
+                <p:cond evt="onNext" delay="0">
+                  <p:tgtEl>
+                    <p:sldTgt/>
+                  </p:tgtEl>
+                </p:cond>
+              </p:nextCondLst>
+            </p:seq>
+          </p:childTnLst>
+        </p:cTn>
+      </p:par>
+    </p:tnLst>
+  </p:timing>
+</p:sld>
+</file>
+
+<file path=ppt/slides/slide6.xml><?xml version="1.0" encoding="utf-8"?>
+<p:sld xmlns:a="http://schemas.openxmlformats.org/drawingml/2006/main" xmlns:r="http://schemas.openxmlformats.org/officeDocument/2006/relationships" xmlns:p="http://schemas.openxmlformats.org/presentationml/2006/main">
+  <p:cSld>
+    <p:spTree>
+      <p:nvGrpSpPr>
+        <p:cNvPr id="1" name=""/>
+        <p:cNvGrpSpPr/>
+        <p:nvPr/>
+      </p:nvGrpSpPr>
+      <p:grpSpPr>
+        <a:xfrm>
+          <a:off x="0" y="0"/>
+          <a:ext cx="0" cy="0"/>
+          <a:chOff x="0" y="0"/>
+          <a:chExt cx="0" cy="0"/>
+        </a:xfrm>
+      </p:grpSpPr>
+      <p:sp>
+        <p:nvSpPr>
+          <p:cNvPr id="3" name="Text Placeholder 2"/>
+          <p:cNvSpPr txBox="1">
+            <a:spLocks noGrp="1"/>
+          </p:cNvSpPr>
+          <p:nvPr>
+            <p:ph type="body" idx="4294967295"/>
+          </p:nvPr>
+        </p:nvSpPr>
+        <p:spPr>
+          <a:xfrm>
+            <a:off x="457200" y="1077840"/>
+            <a:ext cx="8291264" cy="5303488"/>
+          </a:xfrm>
+        </p:spPr>
+        <p:txBody>
+          <a:bodyPr/>
+          <a:lstStyle>
+            <a:defPPr marL="432000" lvl="0" indent="-324000">
+              <a:spcBef>
+                <a:spcPts val="0"/>
+              </a:spcBef>
+              <a:spcAft>
+                <a:spcPts val="1417"/>
+              </a:spcAft>
+              <a:buSzPct val="45000"/>
+              <a:buFont typeface="StarSymbol"/>
+              <a:buNone/>
+              <a:defRPr lang="en-US" sz="3200" b="0" i="0" u="none" strike="noStrike" kern="1200">
+                <a:ln>
+                  <a:noFill/>
+                </a:ln>
+                <a:latin typeface="Arial" pitchFamily="18"/>
+                <a:ea typeface="Droid Sans" pitchFamily="2"/>
+                <a:cs typeface="Lohit Hindi" pitchFamily="2"/>
+              </a:defRPr>
+            </a:defPPr>
+            <a:lvl1pPr marL="432000" lvl="0" indent="-324000">
+              <a:spcBef>
+                <a:spcPts val="0"/>
+              </a:spcBef>
+              <a:spcAft>
+                <a:spcPts val="1417"/>
+              </a:spcAft>
+              <a:buSzPct val="45000"/>
+              <a:buFont typeface="StarSymbol"/>
+              <a:buChar char="●"/>
+              <a:defRPr lang="en-US" sz="3200" b="0" i="0" u="none" strike="noStrike" kern="1200">
+                <a:ln>
+                  <a:noFill/>
+                </a:ln>
+                <a:latin typeface="Arial" pitchFamily="18"/>
+                <a:ea typeface="Droid Sans" pitchFamily="2"/>
+                <a:cs typeface="Lohit Hindi" pitchFamily="2"/>
+              </a:defRPr>
+            </a:lvl1pPr>
+            <a:lvl2pPr marL="864000" lvl="1" indent="-324000">
+              <a:spcBef>
+                <a:spcPts val="0"/>
+              </a:spcBef>
+              <a:spcAft>
+                <a:spcPts val="1134"/>
+              </a:spcAft>
+              <a:buSzPct val="75000"/>
+              <a:buFont typeface="StarSymbol"/>
+              <a:buChar char="–"/>
+              <a:defRPr lang="en-US" sz="2800" b="0" i="0" u="none" strike="noStrike" kern="1200">
+                <a:ln>
+                  <a:noFill/>
+                </a:ln>
+                <a:latin typeface="Arial" pitchFamily="18"/>
+                <a:ea typeface="Droid Sans" pitchFamily="2"/>
+                <a:cs typeface="Lohit Hindi" pitchFamily="2"/>
+              </a:defRPr>
+            </a:lvl2pPr>
+            <a:lvl3pPr marL="1295999" lvl="2" indent="-288000">
+              <a:spcBef>
+                <a:spcPts val="0"/>
+              </a:spcBef>
+              <a:spcAft>
+                <a:spcPts val="850"/>
+              </a:spcAft>
+              <a:buSzPct val="45000"/>
+              <a:buFont typeface="StarSymbol"/>
+              <a:buChar char="●"/>
+              <a:defRPr lang="en-US" sz="2400" b="0" i="0" u="none" strike="noStrike" kern="1200">
+                <a:ln>
+                  <a:noFill/>
+                </a:ln>
+                <a:latin typeface="Arial" pitchFamily="18"/>
+                <a:ea typeface="Droid Sans" pitchFamily="2"/>
+                <a:cs typeface="Lohit Hindi" pitchFamily="2"/>
+              </a:defRPr>
+            </a:lvl3pPr>
+            <a:lvl4pPr marL="1728000" lvl="3" indent="-216000">
+              <a:spcBef>
+                <a:spcPts val="0"/>
+              </a:spcBef>
+              <a:spcAft>
+                <a:spcPts val="567"/>
+              </a:spcAft>
+              <a:buSzPct val="75000"/>
+              <a:buFont typeface="StarSymbol"/>
+              <a:buChar char="–"/>
+              <a:defRPr lang="en-US" sz="2000" b="0" i="0" u="none" strike="noStrike" kern="1200">
+                <a:ln>
+                  <a:noFill/>
+                </a:ln>
+                <a:latin typeface="Arial" pitchFamily="18"/>
+                <a:ea typeface="Droid Sans" pitchFamily="2"/>
+                <a:cs typeface="Lohit Hindi" pitchFamily="2"/>
+              </a:defRPr>
+            </a:lvl4pPr>
+            <a:lvl5pPr marL="2160000" lvl="4" indent="-216000">
+              <a:spcBef>
+                <a:spcPts val="0"/>
+              </a:spcBef>
+              <a:spcAft>
+                <a:spcPts val="283"/>
+              </a:spcAft>
+              <a:buSzPct val="45000"/>
+              <a:buFont typeface="StarSymbol"/>
+              <a:buChar char="●"/>
+              <a:defRPr lang="en-US" sz="2000" b="0" i="0" u="none" strike="noStrike" kern="1200">
+                <a:ln>
+                  <a:noFill/>
+                </a:ln>
+                <a:latin typeface="Arial" pitchFamily="18"/>
+                <a:ea typeface="Droid Sans" pitchFamily="2"/>
+                <a:cs typeface="Lohit Hindi" pitchFamily="2"/>
+              </a:defRPr>
+            </a:lvl5pPr>
+            <a:lvl6pPr marL="2592000" lvl="5" indent="-216000">
+              <a:spcBef>
+                <a:spcPts val="0"/>
+              </a:spcBef>
+              <a:spcAft>
+                <a:spcPts val="283"/>
+              </a:spcAft>
+              <a:buSzPct val="45000"/>
+              <a:buFont typeface="StarSymbol"/>
+              <a:buChar char="●"/>
+              <a:defRPr lang="en-US" sz="2000" b="0" i="0" u="none" strike="noStrike" kern="1200">
+                <a:ln>
+                  <a:noFill/>
+                </a:ln>
+                <a:latin typeface="Arial" pitchFamily="18"/>
+                <a:ea typeface="Droid Sans" pitchFamily="2"/>
+                <a:cs typeface="Lohit Hindi" pitchFamily="2"/>
+              </a:defRPr>
+            </a:lvl6pPr>
+            <a:lvl7pPr marL="3024000" lvl="6" indent="-216000">
+              <a:spcBef>
+                <a:spcPts val="0"/>
+              </a:spcBef>
+              <a:spcAft>
+                <a:spcPts val="283"/>
+              </a:spcAft>
+              <a:buSzPct val="45000"/>
+              <a:buFont typeface="StarSymbol"/>
+              <a:buChar char="●"/>
+              <a:defRPr lang="en-US" sz="2000" b="0" i="0" u="none" strike="noStrike" kern="1200">
+                <a:ln>
+                  <a:noFill/>
+                </a:ln>
+                <a:latin typeface="Arial" pitchFamily="18"/>
+                <a:ea typeface="Droid Sans" pitchFamily="2"/>
+                <a:cs typeface="Lohit Hindi" pitchFamily="2"/>
+              </a:defRPr>
+            </a:lvl7pPr>
+            <a:lvl8pPr marL="3456000" lvl="7" indent="-216000">
+              <a:spcBef>
+                <a:spcPts val="0"/>
+              </a:spcBef>
+              <a:spcAft>
+                <a:spcPts val="283"/>
+              </a:spcAft>
+              <a:buSzPct val="45000"/>
+              <a:buFont typeface="StarSymbol"/>
+              <a:buChar char="●"/>
+              <a:defRPr lang="en-US" sz="2000" b="0" i="0" u="none" strike="noStrike" kern="1200">
+                <a:ln>
+                  <a:noFill/>
+                </a:ln>
+                <a:latin typeface="Arial" pitchFamily="18"/>
+                <a:ea typeface="Droid Sans" pitchFamily="2"/>
+                <a:cs typeface="Lohit Hindi" pitchFamily="2"/>
+              </a:defRPr>
+            </a:lvl8pPr>
+            <a:lvl9pPr marL="3887999" lvl="8" indent="-216000">
+              <a:spcBef>
+                <a:spcPts val="0"/>
+              </a:spcBef>
+              <a:spcAft>
+                <a:spcPts val="283"/>
+              </a:spcAft>
+              <a:buSzPct val="45000"/>
+              <a:buFont typeface="StarSymbol"/>
+              <a:buChar char="●"/>
+              <a:defRPr lang="en-US" sz="2000" b="0" i="0" u="none" strike="noStrike" kern="1200">
+                <a:ln>
+                  <a:noFill/>
+                </a:ln>
+                <a:latin typeface="Arial" pitchFamily="18"/>
+                <a:ea typeface="Droid Sans" pitchFamily="2"/>
+                <a:cs typeface="Lohit Hindi" pitchFamily="2"/>
+              </a:defRPr>
+            </a:lvl9pPr>
+          </a:lstStyle>
+          <a:p>
+            <a:endParaRPr lang="en-US" sz="2800" dirty="0" smtClean="0"/>
+          </a:p>
+          <a:p>
+            <a:endParaRPr lang="en-US" sz="2800" dirty="0"/>
+          </a:p>
+        </p:txBody>
+      </p:sp>
+      <p:sp>
+        <p:nvSpPr>
+          <p:cNvPr id="2" name="Title 1"/>
+          <p:cNvSpPr txBox="1">
+            <a:spLocks noGrp="1"/>
+          </p:cNvSpPr>
+          <p:nvPr>
+            <p:ph type="title" idx="4294967295"/>
+          </p:nvPr>
+        </p:nvSpPr>
+        <p:spPr/>
+        <p:txBody>
+          <a:bodyPr/>
+          <a:lstStyle>
+            <a:defPPr lvl="0">
+              <a:buSzPct val="45000"/>
+              <a:buFont typeface="StarSymbol"/>
+              <a:buNone/>
+            </a:defPPr>
+            <a:lvl1pPr lvl="0">
+              <a:buSzPct val="45000"/>
+              <a:buFont typeface="StarSymbol"/>
+              <a:buChar char="●"/>
+            </a:lvl1pPr>
+            <a:lvl2pPr lvl="1">
+              <a:buSzPct val="45000"/>
+              <a:buFont typeface="StarSymbol"/>
+              <a:buChar char="●"/>
+            </a:lvl2pPr>
+            <a:lvl3pPr lvl="2">
+              <a:buSzPct val="45000"/>
+              <a:buFont typeface="StarSymbol"/>
+              <a:buChar char="●"/>
+            </a:lvl3pPr>
+            <a:lvl4pPr lvl="3">
+              <a:buSzPct val="45000"/>
+              <a:buFont typeface="StarSymbol"/>
+              <a:buChar char="●"/>
+            </a:lvl4pPr>
+            <a:lvl5pPr lvl="4">
+              <a:buSzPct val="45000"/>
+              <a:buFont typeface="StarSymbol"/>
+              <a:buChar char="●"/>
+            </a:lvl5pPr>
+            <a:lvl6pPr lvl="5">
+              <a:buSzPct val="45000"/>
+              <a:buFont typeface="StarSymbol"/>
+              <a:buChar char="●"/>
+            </a:lvl6pPr>
+            <a:lvl7pPr lvl="6">
+              <a:buSzPct val="45000"/>
+              <a:buFont typeface="StarSymbol"/>
+              <a:buChar char="●"/>
+            </a:lvl7pPr>
+            <a:lvl8pPr lvl="7">
+              <a:buSzPct val="45000"/>
+              <a:buFont typeface="StarSymbol"/>
+              <a:buChar char="●"/>
+            </a:lvl8pPr>
+            <a:lvl9pPr lvl="8">
+              <a:buSzPct val="45000"/>
+              <a:buFont typeface="StarSymbol"/>
+              <a:buChar char="●"/>
+            </a:lvl9pPr>
+          </a:lstStyle>
+          <a:p>
+            <a:pPr>
+              <a:buNone/>
+            </a:pPr>
+            <a:r>
+              <a:rPr lang="en-US" dirty="0" smtClean="0"/>
+              <a:t>Ideas</a:t>
+            </a:r>
+            <a:endParaRPr lang="en-US" dirty="0"/>
+          </a:p>
+        </p:txBody>
+      </p:sp>
+      <p:sp>
+        <p:nvSpPr>
+          <p:cNvPr id="13" name="Date Placeholder 1"/>
+          <p:cNvSpPr>
+            <a:spLocks noGrp="1"/>
+          </p:cNvSpPr>
+          <p:nvPr>
+            <p:ph type="dt" sz="half" idx="10"/>
+          </p:nvPr>
+        </p:nvSpPr>
+        <p:spPr>
+          <a:xfrm>
+            <a:off x="0" y="6583679"/>
+            <a:ext cx="1097280" cy="274320"/>
+          </a:xfrm>
+        </p:spPr>
+        <p:txBody>
+          <a:bodyPr/>
+          <a:lstStyle/>
+          <a:p>
+            <a:pPr lvl="0"/>
+            <a:r>
+              <a:rPr lang="en-US" dirty="0" smtClean="0"/>
+              <a:t>15.05.2012</a:t>
+            </a:r>
+            <a:endParaRPr lang="en-US" dirty="0"/>
+          </a:p>
+        </p:txBody>
+      </p:sp>
+      <p:sp>
+        <p:nvSpPr>
+          <p:cNvPr id="14" name="Footer Placeholder 2"/>
+          <p:cNvSpPr>
+            <a:spLocks noGrp="1"/>
+          </p:cNvSpPr>
+          <p:nvPr>
+            <p:ph type="ftr" sz="quarter" idx="11"/>
+          </p:nvPr>
+        </p:nvSpPr>
+        <p:spPr>
+          <a:xfrm>
+            <a:off x="1277280" y="6583679"/>
+            <a:ext cx="5526968" cy="274320"/>
+          </a:xfrm>
+        </p:spPr>
+        <p:txBody>
+          <a:bodyPr/>
+          <a:lstStyle/>
+          <a:p>
+            <a:pPr lvl="0"/>
+            <a:r>
+              <a:rPr lang="en-US" dirty="0" smtClean="0"/>
+              <a:t>| </a:t>
+            </a:r>
+            <a:r>
+              <a:rPr lang="en-US" dirty="0" err="1" smtClean="0"/>
+              <a:t>Kahl</a:t>
+            </a:r>
+            <a:r>
+              <a:rPr lang="en-US" dirty="0" smtClean="0"/>
+              <a:t>, </a:t>
+            </a:r>
+            <a:r>
+              <a:rPr lang="en-US" dirty="0" err="1" smtClean="0"/>
+              <a:t>Platz</a:t>
+            </a:r>
+            <a:r>
+              <a:rPr lang="en-US" dirty="0" smtClean="0"/>
+              <a:t>, </a:t>
+            </a:r>
+            <a:r>
+              <a:rPr lang="en-US" dirty="0" err="1" smtClean="0"/>
+              <a:t>Schilf</a:t>
+            </a:r>
+            <a:r>
+              <a:rPr lang="en-US" dirty="0" smtClean="0"/>
+              <a:t> | Web-</a:t>
+            </a:r>
+            <a:r>
+              <a:rPr lang="en-US" dirty="0" err="1" smtClean="0"/>
+              <a:t>dev</a:t>
+            </a:r>
+            <a:r>
+              <a:rPr lang="en-US" dirty="0" smtClean="0"/>
+              <a:t> SS 2012</a:t>
+            </a:r>
+            <a:endParaRPr lang="en-US" dirty="0"/>
+          </a:p>
+        </p:txBody>
+      </p:sp>
+      <p:sp>
+        <p:nvSpPr>
+          <p:cNvPr id="10" name="Text Placeholder 2"/>
+          <p:cNvSpPr txBox="1">
+            <a:spLocks/>
+          </p:cNvSpPr>
+          <p:nvPr/>
+        </p:nvSpPr>
+        <p:spPr>
+          <a:xfrm>
+            <a:off x="609600" y="1230240"/>
+            <a:ext cx="8291264" cy="5303488"/>
+          </a:xfrm>
+          <a:prstGeom prst="rect">
+            <a:avLst/>
+          </a:prstGeom>
+          <a:noFill/>
+          <a:ln>
+            <a:noFill/>
+          </a:ln>
+        </p:spPr>
+        <p:txBody>
+          <a:bodyPr lIns="0" tIns="0" rIns="0" bIns="0"/>
+          <a:lstStyle>
+            <a:defPPr marL="432000" lvl="0" indent="-324000">
+              <a:spcBef>
+                <a:spcPts val="0"/>
+              </a:spcBef>
+              <a:spcAft>
+                <a:spcPts val="1417"/>
+              </a:spcAft>
+              <a:buSzPct val="45000"/>
+              <a:buFont typeface="StarSymbol"/>
+              <a:buNone/>
+              <a:defRPr lang="en-US" sz="3200" b="0" i="0" u="none" strike="noStrike" kern="1200">
+                <a:ln>
+                  <a:noFill/>
+                </a:ln>
+                <a:latin typeface="Arial" pitchFamily="18"/>
+                <a:ea typeface="Droid Sans" pitchFamily="2"/>
+                <a:cs typeface="Lohit Hindi" pitchFamily="2"/>
+              </a:defRPr>
+            </a:defPPr>
+            <a:lvl1pPr marL="432000" lvl="0" indent="-324000" rtl="0" hangingPunct="0">
+              <a:spcBef>
+                <a:spcPts val="0"/>
+              </a:spcBef>
+              <a:spcAft>
+                <a:spcPts val="1417"/>
+              </a:spcAft>
+              <a:buSzPct val="45000"/>
+              <a:buFont typeface="StarSymbol"/>
+              <a:buChar char="●"/>
+              <a:tabLst/>
+              <a:defRPr lang="en-US" sz="3200" b="0" i="0" u="none" strike="noStrike" kern="1200">
+                <a:ln>
+                  <a:noFill/>
+                </a:ln>
+                <a:latin typeface="Arial" pitchFamily="18"/>
+                <a:ea typeface="Droid Sans" pitchFamily="2"/>
+                <a:cs typeface="Lohit Hindi" pitchFamily="2"/>
+              </a:defRPr>
+            </a:lvl1pPr>
+            <a:lvl2pPr marL="864000" lvl="1" indent="-324000">
+              <a:spcBef>
+                <a:spcPts val="0"/>
+              </a:spcBef>
+              <a:spcAft>
+                <a:spcPts val="1134"/>
+              </a:spcAft>
+              <a:buSzPct val="75000"/>
+              <a:buFont typeface="StarSymbol"/>
+              <a:buChar char="–"/>
+              <a:defRPr lang="en-US" sz="2800" b="0" i="0" u="none" strike="noStrike" kern="1200">
+                <a:ln>
+                  <a:noFill/>
+                </a:ln>
+                <a:latin typeface="Arial" pitchFamily="18"/>
+                <a:ea typeface="Droid Sans" pitchFamily="2"/>
+                <a:cs typeface="Lohit Hindi" pitchFamily="2"/>
+              </a:defRPr>
+            </a:lvl2pPr>
+            <a:lvl3pPr marL="1295999" lvl="2" indent="-288000">
+              <a:spcBef>
+                <a:spcPts val="0"/>
+              </a:spcBef>
+              <a:spcAft>
+                <a:spcPts val="850"/>
+              </a:spcAft>
+              <a:buSzPct val="45000"/>
+              <a:buFont typeface="StarSymbol"/>
+              <a:buChar char="●"/>
+              <a:defRPr lang="en-US" sz="2400" b="0" i="0" u="none" strike="noStrike" kern="1200">
+                <a:ln>
+                  <a:noFill/>
+                </a:ln>
+                <a:latin typeface="Arial" pitchFamily="18"/>
+                <a:ea typeface="Droid Sans" pitchFamily="2"/>
+                <a:cs typeface="Lohit Hindi" pitchFamily="2"/>
+              </a:defRPr>
+            </a:lvl3pPr>
+            <a:lvl4pPr marL="1728000" lvl="3" indent="-216000">
+              <a:spcBef>
+                <a:spcPts val="0"/>
+              </a:spcBef>
+              <a:spcAft>
+                <a:spcPts val="567"/>
+              </a:spcAft>
+              <a:buSzPct val="75000"/>
+              <a:buFont typeface="StarSymbol"/>
+              <a:buChar char="–"/>
+              <a:defRPr lang="en-US" sz="2000" b="0" i="0" u="none" strike="noStrike" kern="1200">
+                <a:ln>
+                  <a:noFill/>
+                </a:ln>
+                <a:latin typeface="Arial" pitchFamily="18"/>
+                <a:ea typeface="Droid Sans" pitchFamily="2"/>
+                <a:cs typeface="Lohit Hindi" pitchFamily="2"/>
+              </a:defRPr>
+            </a:lvl4pPr>
+            <a:lvl5pPr marL="2160000" lvl="4" indent="-216000">
+              <a:spcBef>
+                <a:spcPts val="0"/>
+              </a:spcBef>
+              <a:spcAft>
+                <a:spcPts val="283"/>
+              </a:spcAft>
+              <a:buSzPct val="45000"/>
+              <a:buFont typeface="StarSymbol"/>
+              <a:buChar char="●"/>
+              <a:defRPr lang="en-US" sz="2000" b="0" i="0" u="none" strike="noStrike" kern="1200">
+                <a:ln>
+                  <a:noFill/>
+                </a:ln>
+                <a:latin typeface="Arial" pitchFamily="18"/>
+                <a:ea typeface="Droid Sans" pitchFamily="2"/>
+                <a:cs typeface="Lohit Hindi" pitchFamily="2"/>
+              </a:defRPr>
+            </a:lvl5pPr>
+            <a:lvl6pPr marL="2592000" lvl="5" indent="-216000">
+              <a:spcBef>
+                <a:spcPts val="0"/>
+              </a:spcBef>
+              <a:spcAft>
+                <a:spcPts val="283"/>
+              </a:spcAft>
+              <a:buSzPct val="45000"/>
+              <a:buFont typeface="StarSymbol"/>
+              <a:buChar char="●"/>
+              <a:defRPr lang="en-US" sz="2000" b="0" i="0" u="none" strike="noStrike" kern="1200">
+                <a:ln>
+                  <a:noFill/>
+                </a:ln>
+                <a:latin typeface="Arial" pitchFamily="18"/>
+                <a:ea typeface="Droid Sans" pitchFamily="2"/>
+                <a:cs typeface="Lohit Hindi" pitchFamily="2"/>
+              </a:defRPr>
+            </a:lvl6pPr>
+            <a:lvl7pPr marL="3024000" lvl="6" indent="-216000">
+              <a:spcBef>
+                <a:spcPts val="0"/>
+              </a:spcBef>
+              <a:spcAft>
+                <a:spcPts val="283"/>
+              </a:spcAft>
+              <a:buSzPct val="45000"/>
+              <a:buFont typeface="StarSymbol"/>
+              <a:buChar char="●"/>
+              <a:defRPr lang="en-US" sz="2000" b="0" i="0" u="none" strike="noStrike" kern="1200">
+                <a:ln>
+                  <a:noFill/>
+                </a:ln>
+                <a:latin typeface="Arial" pitchFamily="18"/>
+                <a:ea typeface="Droid Sans" pitchFamily="2"/>
+                <a:cs typeface="Lohit Hindi" pitchFamily="2"/>
+              </a:defRPr>
+            </a:lvl7pPr>
+            <a:lvl8pPr marL="3456000" lvl="7" indent="-216000">
+              <a:spcBef>
+                <a:spcPts val="0"/>
+              </a:spcBef>
+              <a:spcAft>
+                <a:spcPts val="283"/>
+              </a:spcAft>
+              <a:buSzPct val="45000"/>
+              <a:buFont typeface="StarSymbol"/>
+              <a:buChar char="●"/>
+              <a:defRPr lang="en-US" sz="2000" b="0" i="0" u="none" strike="noStrike" kern="1200">
+                <a:ln>
+                  <a:noFill/>
+                </a:ln>
+                <a:latin typeface="Arial" pitchFamily="18"/>
+                <a:ea typeface="Droid Sans" pitchFamily="2"/>
+                <a:cs typeface="Lohit Hindi" pitchFamily="2"/>
+              </a:defRPr>
+            </a:lvl8pPr>
+            <a:lvl9pPr marL="3887999" lvl="8" indent="-216000">
+              <a:spcBef>
+                <a:spcPts val="0"/>
+              </a:spcBef>
+              <a:spcAft>
+                <a:spcPts val="283"/>
+              </a:spcAft>
+              <a:buSzPct val="45000"/>
+              <a:buFont typeface="StarSymbol"/>
+              <a:buChar char="●"/>
+              <a:defRPr lang="en-US" sz="2000" b="0" i="0" u="none" strike="noStrike" kern="1200">
+                <a:ln>
+                  <a:noFill/>
+                </a:ln>
+                <a:latin typeface="Arial" pitchFamily="18"/>
+                <a:ea typeface="Droid Sans" pitchFamily="2"/>
+                <a:cs typeface="Lohit Hindi" pitchFamily="2"/>
+              </a:defRPr>
+            </a:lvl9pPr>
+          </a:lstStyle>
+          <a:p>
+            <a:r>
+              <a:rPr lang="de-DE" sz="2800" dirty="0" err="1" smtClean="0"/>
+              <a:t>Collaboration</a:t>
+            </a:r>
+            <a:endParaRPr lang="de-DE" sz="2800" dirty="0" smtClean="0"/>
+          </a:p>
+          <a:p>
+            <a:pPr lvl="1"/>
+            <a:r>
+              <a:rPr lang="de-DE" sz="2400" dirty="0" smtClean="0"/>
+              <a:t>See </a:t>
+            </a:r>
+            <a:r>
+              <a:rPr lang="de-DE" sz="2400" dirty="0" err="1" smtClean="0"/>
+              <a:t>what</a:t>
+            </a:r>
+            <a:r>
+              <a:rPr lang="de-DE" sz="2400" dirty="0" smtClean="0"/>
+              <a:t> </a:t>
+            </a:r>
+            <a:r>
+              <a:rPr lang="de-DE" sz="2400" dirty="0" err="1" smtClean="0"/>
+              <a:t>other</a:t>
+            </a:r>
+            <a:r>
+              <a:rPr lang="de-DE" sz="2400" dirty="0" smtClean="0"/>
+              <a:t> </a:t>
+            </a:r>
+            <a:r>
+              <a:rPr lang="de-DE" sz="2400" dirty="0" err="1" smtClean="0"/>
+              <a:t>team</a:t>
+            </a:r>
+            <a:r>
+              <a:rPr lang="de-DE" sz="2400" dirty="0" smtClean="0"/>
+              <a:t> </a:t>
+            </a:r>
+            <a:r>
+              <a:rPr lang="de-DE" sz="2400" dirty="0" err="1" smtClean="0"/>
+              <a:t>members</a:t>
+            </a:r>
+            <a:r>
+              <a:rPr lang="de-DE" sz="2400" dirty="0" smtClean="0"/>
+              <a:t> do in real-time</a:t>
+            </a:r>
+          </a:p>
+          <a:p>
+            <a:pPr lvl="1"/>
+            <a:r>
+              <a:rPr lang="de-DE" sz="2400" dirty="0" smtClean="0"/>
+              <a:t>But: will </a:t>
+            </a:r>
+            <a:r>
+              <a:rPr lang="de-DE" sz="2400" dirty="0" err="1"/>
+              <a:t>be</a:t>
+            </a:r>
+            <a:r>
+              <a:rPr lang="de-DE" sz="2400" dirty="0"/>
+              <a:t> </a:t>
+            </a:r>
+            <a:r>
+              <a:rPr lang="de-DE" sz="2400" dirty="0" err="1"/>
+              <a:t>released</a:t>
+            </a:r>
+            <a:r>
+              <a:rPr lang="de-DE" sz="2400" dirty="0"/>
+              <a:t> in ~3 </a:t>
+            </a:r>
+            <a:r>
+              <a:rPr lang="de-DE" sz="2400" dirty="0" err="1" smtClean="0"/>
+              <a:t>weeks</a:t>
+            </a:r>
+            <a:endParaRPr lang="de-DE" sz="2400" dirty="0" smtClean="0"/>
+          </a:p>
+          <a:p>
+            <a:r>
+              <a:rPr lang="de-DE" sz="2800" dirty="0" smtClean="0"/>
+              <a:t>Proper </a:t>
+            </a:r>
+            <a:r>
+              <a:rPr lang="de-DE" sz="2800" dirty="0" err="1" smtClean="0"/>
+              <a:t>git</a:t>
+            </a:r>
+            <a:r>
+              <a:rPr lang="de-DE" sz="2800" dirty="0" smtClean="0"/>
+              <a:t> </a:t>
+            </a:r>
+            <a:r>
+              <a:rPr lang="de-DE" sz="2800" dirty="0" err="1" smtClean="0"/>
+              <a:t>integration</a:t>
+            </a:r>
+            <a:r>
+              <a:rPr lang="de-DE" sz="2800" dirty="0" smtClean="0"/>
+              <a:t> in </a:t>
+            </a:r>
+            <a:r>
+              <a:rPr lang="de-DE" sz="2800" dirty="0" err="1" smtClean="0"/>
+              <a:t>editor</a:t>
+            </a:r>
+            <a:r>
+              <a:rPr lang="de-DE" sz="2800" dirty="0" smtClean="0"/>
+              <a:t> / IDE</a:t>
+            </a:r>
+          </a:p>
+          <a:p>
+            <a:pPr lvl="1"/>
+            <a:r>
+              <a:rPr lang="de-DE" sz="2400" dirty="0" smtClean="0"/>
+              <a:t>Work </a:t>
+            </a:r>
+            <a:r>
+              <a:rPr lang="de-DE" sz="2400" dirty="0" err="1" smtClean="0"/>
+              <a:t>without</a:t>
+            </a:r>
+            <a:r>
+              <a:rPr lang="de-DE" sz="2400" dirty="0" smtClean="0"/>
+              <a:t> </a:t>
+            </a:r>
+            <a:r>
+              <a:rPr lang="de-DE" sz="2400" dirty="0" err="1" smtClean="0"/>
+              <a:t>console</a:t>
+            </a:r>
+            <a:endParaRPr lang="de-DE" sz="2400" dirty="0" smtClean="0"/>
+          </a:p>
+          <a:p>
+            <a:pPr lvl="1"/>
+            <a:r>
+              <a:rPr lang="de-DE" sz="2400" dirty="0" err="1" smtClean="0"/>
+              <a:t>Visualize</a:t>
+            </a:r>
+            <a:r>
+              <a:rPr lang="de-DE" sz="2400" dirty="0" smtClean="0"/>
+              <a:t> </a:t>
+            </a:r>
+            <a:r>
+              <a:rPr lang="de-DE" sz="2400" dirty="0" err="1" smtClean="0"/>
+              <a:t>changes</a:t>
+            </a:r>
+            <a:endParaRPr lang="de-DE" sz="2400" dirty="0" smtClean="0"/>
+          </a:p>
+          <a:p>
+            <a:pPr lvl="1"/>
+            <a:r>
+              <a:rPr lang="de-DE" sz="2400" dirty="0" smtClean="0"/>
+              <a:t>(</a:t>
+            </a:r>
+            <a:r>
+              <a:rPr lang="de-DE" sz="2400" dirty="0" err="1" smtClean="0"/>
+              <a:t>Branches</a:t>
+            </a:r>
+            <a:r>
+              <a:rPr lang="de-DE" sz="2400" dirty="0" smtClean="0"/>
+              <a:t>, </a:t>
+            </a:r>
+            <a:r>
+              <a:rPr lang="de-DE" sz="2400" dirty="0" err="1" smtClean="0"/>
+              <a:t>History</a:t>
+            </a:r>
+            <a:r>
+              <a:rPr lang="de-DE" sz="2400" dirty="0" smtClean="0"/>
+              <a:t>, Tags, …)</a:t>
+            </a:r>
+            <a:endParaRPr lang="en-GB" sz="2400" dirty="0" smtClean="0"/>
+          </a:p>
+          <a:p>
+            <a:r>
+              <a:rPr lang="de-DE" sz="2800" dirty="0" smtClean="0"/>
+              <a:t>IDE-</a:t>
+            </a:r>
+            <a:r>
+              <a:rPr lang="de-DE" sz="2800" dirty="0" err="1" smtClean="0"/>
+              <a:t>based</a:t>
+            </a:r>
+            <a:r>
+              <a:rPr lang="de-DE" sz="2800" dirty="0" smtClean="0"/>
+              <a:t> </a:t>
+            </a:r>
+            <a:r>
+              <a:rPr lang="de-DE" sz="2800" dirty="0" err="1" smtClean="0"/>
+              <a:t>Issue</a:t>
+            </a:r>
+            <a:r>
+              <a:rPr lang="de-DE" sz="2800" dirty="0" smtClean="0"/>
+              <a:t>-Tracking</a:t>
+            </a:r>
+          </a:p>
+          <a:p>
+            <a:pPr lvl="1"/>
+            <a:r>
+              <a:rPr lang="de-DE" sz="2400" dirty="0" err="1" smtClean="0"/>
+              <a:t>Measure</a:t>
+            </a:r>
+            <a:r>
+              <a:rPr lang="de-DE" sz="2400" dirty="0" smtClean="0"/>
+              <a:t> time </a:t>
+            </a:r>
+            <a:r>
+              <a:rPr lang="de-DE" sz="2400" dirty="0" err="1" smtClean="0"/>
+              <a:t>and</a:t>
+            </a:r>
+            <a:r>
+              <a:rPr lang="de-DE" sz="2400" dirty="0" smtClean="0"/>
+              <a:t> </a:t>
+            </a:r>
+            <a:r>
+              <a:rPr lang="de-DE" sz="2400" dirty="0" err="1" smtClean="0"/>
+              <a:t>assign</a:t>
+            </a:r>
+            <a:r>
+              <a:rPr lang="de-DE" sz="2400" dirty="0" smtClean="0"/>
+              <a:t> </a:t>
+            </a:r>
+            <a:r>
+              <a:rPr lang="de-DE" sz="2400" dirty="0" err="1" smtClean="0"/>
+              <a:t>to</a:t>
+            </a:r>
+            <a:r>
+              <a:rPr lang="de-DE" sz="2400" dirty="0" smtClean="0"/>
+              <a:t> </a:t>
+            </a:r>
+            <a:r>
+              <a:rPr lang="de-DE" sz="2400" dirty="0" err="1" smtClean="0"/>
+              <a:t>tickets</a:t>
+            </a:r>
+            <a:endParaRPr lang="de-DE" sz="2400" dirty="0" smtClean="0"/>
+          </a:p>
+          <a:p>
+            <a:pPr lvl="1"/>
+            <a:r>
+              <a:rPr lang="de-DE" sz="2400" dirty="0" err="1" smtClean="0"/>
+              <a:t>Automatically</a:t>
+            </a:r>
+            <a:r>
+              <a:rPr lang="de-DE" sz="2400" dirty="0" smtClean="0"/>
+              <a:t> </a:t>
+            </a:r>
+            <a:r>
+              <a:rPr lang="de-DE" sz="2400" dirty="0" err="1" smtClean="0"/>
+              <a:t>create</a:t>
+            </a:r>
+            <a:r>
+              <a:rPr lang="de-DE" sz="2400" dirty="0" smtClean="0"/>
+              <a:t> </a:t>
+            </a:r>
+            <a:r>
+              <a:rPr lang="de-DE" sz="2400" dirty="0" err="1" smtClean="0"/>
+              <a:t>tickets</a:t>
+            </a:r>
+            <a:r>
+              <a:rPr lang="de-DE" sz="2400" dirty="0" smtClean="0"/>
+              <a:t> </a:t>
+            </a:r>
+            <a:r>
+              <a:rPr lang="de-DE" sz="2400" dirty="0" err="1" smtClean="0"/>
+              <a:t>while</a:t>
+            </a:r>
+            <a:r>
+              <a:rPr lang="de-DE" sz="2400" dirty="0" smtClean="0"/>
+              <a:t> </a:t>
+            </a:r>
+            <a:r>
+              <a:rPr lang="de-DE" sz="2400" dirty="0" err="1" smtClean="0"/>
+              <a:t>coding</a:t>
+            </a:r>
+            <a:endParaRPr lang="en-GB" sz="2400" dirty="0"/>
+          </a:p>
+        </p:txBody>
+      </p:sp>
+    </p:spTree>
+    <p:extLst>
+      <p:ext uri="{BB962C8B-B14F-4D97-AF65-F5344CB8AC3E}">
+        <p14:creationId xmlns:p14="http://schemas.microsoft.com/office/powerpoint/2010/main" val="4283339945"/>
+      </p:ext>
+    </p:extLst>
+  </p:cSld>
+  <p:clrMapOvr>
+    <a:masterClrMapping/>
+  </p:clrMapOvr>
+  <mc:AlternateContent xmlns:mc="http://schemas.openxmlformats.org/markup-compatibility/2006" xmlns:p14="http://schemas.microsoft.com/office/powerpoint/2010/main">
+    <mc:Choice Requires="p14">
+      <p:transition spd="slow" p14:dur="2000"/>
+    </mc:Choice>
+    <mc:Fallback xmlns="">
+      <p:transition spd="slow"/>
+    </mc:Fallback>
+  </mc:AlternateContent>
+  <p:timing>
+    <p:tnLst>
+      <p:par>
+        <p:cTn id="1" dur="indefinite" restart="never" nodeType="tmRoot"/>
       </p:par>
     </p:tnLst>
   </p:timing>

--- a/seminar/presentation/mps.pptx
+++ b/seminar/presentation/mps.pptx
@@ -7222,7 +7222,7 @@
           <a:graphicData uri="http://schemas.openxmlformats.org/presentationml/2006/ole">
             <mc:AlternateContent xmlns:mc="http://schemas.openxmlformats.org/markup-compatibility/2006">
               <mc:Choice xmlns:v="urn:schemas-microsoft-com:vml" Requires="v">
-                <p:oleObj spid="_x0000_s2087" r:id="rId14" imgW="3221337" imgH="1845301" progId="">
+                <p:oleObj spid="_x0000_s2089" r:id="rId14" imgW="3221337" imgH="1845301" progId="">
                   <p:embed/>
                 </p:oleObj>
               </mc:Choice>
@@ -8920,11 +8920,11 @@
   <p:clrMapOvr>
     <a:masterClrMapping/>
   </p:clrMapOvr>
-  <mc:AlternateContent xmlns:mc="http://schemas.openxmlformats.org/markup-compatibility/2006">
-    <mc:Choice xmlns:p14="http://schemas.microsoft.com/office/powerpoint/2010/main" Requires="p14">
+  <mc:AlternateContent xmlns:mc="http://schemas.openxmlformats.org/markup-compatibility/2006" xmlns:p14="http://schemas.microsoft.com/office/powerpoint/2010/main">
+    <mc:Choice Requires="p14">
       <p:transition spd="slow" p14:dur="2000"/>
     </mc:Choice>
-    <mc:Fallback>
+    <mc:Fallback xmlns="">
       <p:transition spd="slow"/>
     </mc:Fallback>
   </mc:AlternateContent>
@@ -9300,7 +9300,7 @@
         </p:blipFill>
         <p:spPr bwMode="auto">
           <a:xfrm>
-            <a:off x="683568" y="2901351"/>
+            <a:off x="1043608" y="2902799"/>
             <a:ext cx="4374747" cy="3458171"/>
           </a:xfrm>
           <a:prstGeom prst="rect">
@@ -9327,9 +9327,99 @@
           </a:extLst>
         </p:spPr>
       </p:pic>
+      <p:sp>
+        <p:nvSpPr>
+          <p:cNvPr id="11" name="Date Placeholder 1"/>
+          <p:cNvSpPr>
+            <a:spLocks noGrp="1"/>
+          </p:cNvSpPr>
+          <p:nvPr>
+            <p:ph type="dt" sz="half" idx="10"/>
+          </p:nvPr>
+        </p:nvSpPr>
+        <p:spPr>
+          <a:xfrm>
+            <a:off x="0" y="6583679"/>
+            <a:ext cx="1097280" cy="274320"/>
+          </a:xfrm>
+        </p:spPr>
+        <p:txBody>
+          <a:bodyPr/>
+          <a:lstStyle/>
+          <a:p>
+            <a:pPr lvl="0"/>
+            <a:r>
+              <a:rPr lang="en-US" dirty="0" smtClean="0"/>
+              <a:t>15.05.2012</a:t>
+            </a:r>
+            <a:endParaRPr lang="en-US" dirty="0"/>
+          </a:p>
+        </p:txBody>
+      </p:sp>
+      <p:sp>
+        <p:nvSpPr>
+          <p:cNvPr id="12" name="Footer Placeholder 2"/>
+          <p:cNvSpPr>
+            <a:spLocks noGrp="1"/>
+          </p:cNvSpPr>
+          <p:nvPr>
+            <p:ph type="ftr" sz="quarter" idx="11"/>
+          </p:nvPr>
+        </p:nvSpPr>
+        <p:spPr>
+          <a:xfrm>
+            <a:off x="1277280" y="6583679"/>
+            <a:ext cx="5526968" cy="274320"/>
+          </a:xfrm>
+        </p:spPr>
+        <p:txBody>
+          <a:bodyPr/>
+          <a:lstStyle/>
+          <a:p>
+            <a:pPr lvl="0"/>
+            <a:r>
+              <a:rPr lang="en-US" dirty="0" smtClean="0"/>
+              <a:t>| </a:t>
+            </a:r>
+            <a:r>
+              <a:rPr lang="en-US" dirty="0" err="1" smtClean="0"/>
+              <a:t>Kahl</a:t>
+            </a:r>
+            <a:r>
+              <a:rPr lang="en-US" dirty="0" smtClean="0"/>
+              <a:t>, </a:t>
+            </a:r>
+            <a:r>
+              <a:rPr lang="en-US" dirty="0" err="1" smtClean="0"/>
+              <a:t>Platz</a:t>
+            </a:r>
+            <a:r>
+              <a:rPr lang="en-US" dirty="0" smtClean="0"/>
+              <a:t>, </a:t>
+            </a:r>
+            <a:r>
+              <a:rPr lang="en-US" dirty="0" err="1" smtClean="0"/>
+              <a:t>Schilf</a:t>
+            </a:r>
+            <a:r>
+              <a:rPr lang="en-US" dirty="0" smtClean="0"/>
+              <a:t> | Web-</a:t>
+            </a:r>
+            <a:r>
+              <a:rPr lang="en-US" dirty="0" err="1" smtClean="0"/>
+              <a:t>dev</a:t>
+            </a:r>
+            <a:r>
+              <a:rPr lang="en-US" dirty="0" smtClean="0"/>
+              <a:t> SS 2012</a:t>
+            </a:r>
+            <a:endParaRPr lang="en-US" dirty="0"/>
+          </a:p>
+        </p:txBody>
+      </p:sp>
       <p:pic>
         <p:nvPicPr>
-          <p:cNvPr id="3077" name="Picture 5"/>
+          <p:cNvPr id="4" name="Picture 3"/>
           <p:cNvPicPr>
             <a:picLocks noChangeAspect="1" noChangeArrowheads="1"/>
           </p:cNvPicPr>
@@ -9343,13 +9433,13 @@
               </a:ext>
             </a:extLst>
           </a:blip>
-          <a:srcRect t="6123"/>
+          <a:srcRect t="6195"/>
           <a:stretch/>
         </p:blipFill>
         <p:spPr bwMode="auto">
           <a:xfrm>
-            <a:off x="4572000" y="3213089"/>
-            <a:ext cx="3928659" cy="2834694"/>
+            <a:off x="4427984" y="3269058"/>
+            <a:ext cx="3802368" cy="2741457"/>
           </a:xfrm>
           <a:prstGeom prst="rect">
             <a:avLst/>
@@ -9394,96 +9484,6 @@
           </a:extLst>
         </p:spPr>
       </p:pic>
-      <p:sp>
-        <p:nvSpPr>
-          <p:cNvPr id="11" name="Date Placeholder 1"/>
-          <p:cNvSpPr>
-            <a:spLocks noGrp="1"/>
-          </p:cNvSpPr>
-          <p:nvPr>
-            <p:ph type="dt" sz="half" idx="10"/>
-          </p:nvPr>
-        </p:nvSpPr>
-        <p:spPr>
-          <a:xfrm>
-            <a:off x="0" y="6583679"/>
-            <a:ext cx="1097280" cy="274320"/>
-          </a:xfrm>
-        </p:spPr>
-        <p:txBody>
-          <a:bodyPr/>
-          <a:lstStyle/>
-          <a:p>
-            <a:pPr lvl="0"/>
-            <a:r>
-              <a:rPr lang="en-US" dirty="0" smtClean="0"/>
-              <a:t>15.05.2012</a:t>
-            </a:r>
-            <a:endParaRPr lang="en-US" dirty="0"/>
-          </a:p>
-        </p:txBody>
-      </p:sp>
-      <p:sp>
-        <p:nvSpPr>
-          <p:cNvPr id="12" name="Footer Placeholder 2"/>
-          <p:cNvSpPr>
-            <a:spLocks noGrp="1"/>
-          </p:cNvSpPr>
-          <p:nvPr>
-            <p:ph type="ftr" sz="quarter" idx="11"/>
-          </p:nvPr>
-        </p:nvSpPr>
-        <p:spPr>
-          <a:xfrm>
-            <a:off x="1277280" y="6583679"/>
-            <a:ext cx="5526968" cy="274320"/>
-          </a:xfrm>
-        </p:spPr>
-        <p:txBody>
-          <a:bodyPr/>
-          <a:lstStyle/>
-          <a:p>
-            <a:pPr lvl="0"/>
-            <a:r>
-              <a:rPr lang="en-US" dirty="0" smtClean="0"/>
-              <a:t>| </a:t>
-            </a:r>
-            <a:r>
-              <a:rPr lang="en-US" dirty="0" err="1" smtClean="0"/>
-              <a:t>Kahl</a:t>
-            </a:r>
-            <a:r>
-              <a:rPr lang="en-US" dirty="0" smtClean="0"/>
-              <a:t>, </a:t>
-            </a:r>
-            <a:r>
-              <a:rPr lang="en-US" dirty="0" err="1" smtClean="0"/>
-              <a:t>Platz</a:t>
-            </a:r>
-            <a:r>
-              <a:rPr lang="en-US" dirty="0" smtClean="0"/>
-              <a:t>, </a:t>
-            </a:r>
-            <a:r>
-              <a:rPr lang="en-US" dirty="0" err="1" smtClean="0"/>
-              <a:t>Schilf</a:t>
-            </a:r>
-            <a:r>
-              <a:rPr lang="en-US" dirty="0" smtClean="0"/>
-              <a:t> | Web-</a:t>
-            </a:r>
-            <a:r>
-              <a:rPr lang="en-US" dirty="0" err="1" smtClean="0"/>
-              <a:t>dev</a:t>
-            </a:r>
-            <a:r>
-              <a:rPr lang="en-US" dirty="0" smtClean="0"/>
-              <a:t> SS 2012</a:t>
-            </a:r>
-            <a:endParaRPr lang="en-US" dirty="0"/>
-          </a:p>
-        </p:txBody>
-      </p:sp>
     </p:spTree>
     <p:extLst>
       <p:ext uri="{BB962C8B-B14F-4D97-AF65-F5344CB8AC3E}">
@@ -9777,11 +9777,7 @@
             </a:r>
             <a:r>
               <a:rPr lang="en-US" sz="2800" dirty="0" smtClean="0"/>
-              <a:t> </a:t>
-            </a:r>
-            <a:r>
-              <a:rPr lang="en-US" sz="2800" dirty="0" smtClean="0"/>
-              <a:t>workflow is not properly supported by Cloud9</a:t>
+              <a:t> workflow is not properly supported by Cloud9</a:t>
             </a:r>
           </a:p>
           <a:p>

--- a/seminar/presentation/mps.pptx
+++ b/seminar/presentation/mps.pptx
@@ -7222,7 +7222,7 @@
           <a:graphicData uri="http://schemas.openxmlformats.org/presentationml/2006/ole">
             <mc:AlternateContent xmlns:mc="http://schemas.openxmlformats.org/markup-compatibility/2006">
               <mc:Choice xmlns:v="urn:schemas-microsoft-com:vml" Requires="v">
-                <p:oleObj spid="_x0000_s2089" r:id="rId14" imgW="3221337" imgH="1845301" progId="">
+                <p:oleObj spid="_x0000_s2090" r:id="rId14" imgW="3221337" imgH="1845301" progId="">
                   <p:embed/>
                 </p:oleObj>
               </mc:Choice>
@@ -9471,15 +9471,6 @@
                 <a:headEnd/>
                 <a:tailEnd/>
               </a14:hiddenLine>
-            </a:ext>
-            <a:ext uri="{AF507438-7753-43E0-B8FC-AC1667EBCBE1}">
-              <a14:hiddenEffects xmlns:a14="http://schemas.microsoft.com/office/drawing/2010/main">
-                <a:effectLst>
-                  <a:outerShdw dist="35921" dir="2700000" algn="ctr" rotWithShape="0">
-                    <a:schemeClr val="bg2"/>
-                  </a:outerShdw>
-                </a:effectLst>
-              </a14:hiddenEffects>
             </a:ext>
           </a:extLst>
         </p:spPr>
@@ -11002,31 +10993,133 @@
           </a:p>
           <a:p>
             <a:r>
-              <a:rPr lang="de-DE" sz="2800" dirty="0" smtClean="0"/>
+              <a:rPr lang="de-DE" sz="2800" dirty="0"/>
+              <a:t>IDE-</a:t>
+            </a:r>
+            <a:r>
+              <a:rPr lang="de-DE" sz="2800" dirty="0" err="1"/>
+              <a:t>based</a:t>
+            </a:r>
+            <a:r>
+              <a:rPr lang="de-DE" sz="2800" dirty="0"/>
+              <a:t> </a:t>
+            </a:r>
+            <a:r>
+              <a:rPr lang="de-DE" sz="2800" dirty="0" err="1"/>
+              <a:t>Issue</a:t>
+            </a:r>
+            <a:r>
+              <a:rPr lang="de-DE" sz="2800" dirty="0"/>
+              <a:t>-Tracking</a:t>
+            </a:r>
+          </a:p>
+          <a:p>
+            <a:pPr lvl="1"/>
+            <a:r>
+              <a:rPr lang="de-DE" sz="2400" dirty="0" err="1"/>
+              <a:t>Measure</a:t>
+            </a:r>
+            <a:r>
+              <a:rPr lang="de-DE" sz="2400" dirty="0"/>
+              <a:t> time </a:t>
+            </a:r>
+            <a:r>
+              <a:rPr lang="de-DE" sz="2400" dirty="0" err="1"/>
+              <a:t>and</a:t>
+            </a:r>
+            <a:r>
+              <a:rPr lang="de-DE" sz="2400" dirty="0"/>
+              <a:t> </a:t>
+            </a:r>
+            <a:r>
+              <a:rPr lang="de-DE" sz="2400" dirty="0" err="1"/>
+              <a:t>assign</a:t>
+            </a:r>
+            <a:r>
+              <a:rPr lang="de-DE" sz="2400" dirty="0"/>
+              <a:t> </a:t>
+            </a:r>
+            <a:r>
+              <a:rPr lang="de-DE" sz="2400" dirty="0" err="1"/>
+              <a:t>to</a:t>
+            </a:r>
+            <a:r>
+              <a:rPr lang="de-DE" sz="2400" dirty="0"/>
+              <a:t> </a:t>
+            </a:r>
+            <a:r>
+              <a:rPr lang="de-DE" sz="2400" dirty="0" err="1"/>
+              <a:t>tickets</a:t>
+            </a:r>
+            <a:endParaRPr lang="de-DE" sz="2400" dirty="0"/>
+          </a:p>
+          <a:p>
+            <a:pPr lvl="1"/>
+            <a:r>
+              <a:rPr lang="de-DE" sz="2400" dirty="0" err="1"/>
+              <a:t>Automatically</a:t>
+            </a:r>
+            <a:r>
+              <a:rPr lang="de-DE" sz="2400" dirty="0"/>
+              <a:t> </a:t>
+            </a:r>
+            <a:r>
+              <a:rPr lang="de-DE" sz="2400" dirty="0" err="1"/>
+              <a:t>create</a:t>
+            </a:r>
+            <a:r>
+              <a:rPr lang="de-DE" sz="2400" dirty="0"/>
+              <a:t> </a:t>
+            </a:r>
+            <a:r>
+              <a:rPr lang="de-DE" sz="2400" dirty="0" err="1"/>
+              <a:t>tickets</a:t>
+            </a:r>
+            <a:r>
+              <a:rPr lang="de-DE" sz="2400" dirty="0"/>
+              <a:t> </a:t>
+            </a:r>
+            <a:r>
+              <a:rPr lang="de-DE" sz="2400" dirty="0" err="1"/>
+              <a:t>while</a:t>
+            </a:r>
+            <a:r>
+              <a:rPr lang="de-DE" sz="2400" dirty="0"/>
+              <a:t> </a:t>
+            </a:r>
+            <a:r>
+              <a:rPr lang="de-DE" sz="2400" dirty="0" err="1"/>
+              <a:t>coding</a:t>
+            </a:r>
+            <a:endParaRPr lang="en-GB" sz="2400" dirty="0"/>
+          </a:p>
+          <a:p>
+            <a:r>
+              <a:rPr lang="de-DE" sz="2800" b="1" dirty="0" smtClean="0"/>
               <a:t>Proper </a:t>
             </a:r>
             <a:r>
-              <a:rPr lang="de-DE" sz="2800" dirty="0" err="1" smtClean="0"/>
+              <a:rPr lang="de-DE" sz="2800" b="1" dirty="0" err="1" smtClean="0"/>
               <a:t>git</a:t>
             </a:r>
             <a:r>
-              <a:rPr lang="de-DE" sz="2800" dirty="0" smtClean="0"/>
+              <a:rPr lang="de-DE" sz="2800" b="1" dirty="0" smtClean="0"/>
               <a:t> </a:t>
             </a:r>
             <a:r>
-              <a:rPr lang="de-DE" sz="2800" dirty="0" err="1" smtClean="0"/>
+              <a:rPr lang="de-DE" sz="2800" b="1" dirty="0" err="1" smtClean="0"/>
               <a:t>integration</a:t>
             </a:r>
             <a:r>
-              <a:rPr lang="de-DE" sz="2800" dirty="0" smtClean="0"/>
+              <a:rPr lang="de-DE" sz="2800" b="1" dirty="0" smtClean="0"/>
               <a:t> in </a:t>
             </a:r>
             <a:r>
-              <a:rPr lang="de-DE" sz="2800" dirty="0" err="1" smtClean="0"/>
+              <a:rPr lang="de-DE" sz="2800" b="1" dirty="0" err="1" smtClean="0"/>
               <a:t>editor</a:t>
             </a:r>
             <a:r>
-              <a:rPr lang="de-DE" sz="2800" dirty="0" smtClean="0"/>
+              <a:rPr lang="de-DE" sz="2800" b="1" dirty="0" smtClean="0"/>
               <a:t> / IDE</a:t>
             </a:r>
           </a:p>
@@ -11086,111 +11179,13 @@
             </a:r>
             <a:r>
               <a:rPr lang="de-DE" sz="2400" dirty="0" smtClean="0"/>
-              <a:t>, Tags, …)</a:t>
+              <a:t>, Tags, </a:t>
+            </a:r>
+            <a:r>
+              <a:rPr lang="de-DE" sz="2400" dirty="0" smtClean="0"/>
+              <a:t>…)</a:t>
             </a:r>
             <a:endParaRPr lang="en-GB" sz="2400" dirty="0" smtClean="0"/>
-          </a:p>
-          <a:p>
-            <a:r>
-              <a:rPr lang="de-DE" sz="2800" dirty="0" smtClean="0"/>
-              <a:t>IDE-</a:t>
-            </a:r>
-            <a:r>
-              <a:rPr lang="de-DE" sz="2800" dirty="0" err="1" smtClean="0"/>
-              <a:t>based</a:t>
-            </a:r>
-            <a:r>
-              <a:rPr lang="de-DE" sz="2800" dirty="0" smtClean="0"/>
-              <a:t> </a:t>
-            </a:r>
-            <a:r>
-              <a:rPr lang="de-DE" sz="2800" dirty="0" err="1" smtClean="0"/>
-              <a:t>Issue</a:t>
-            </a:r>
-            <a:r>
-              <a:rPr lang="de-DE" sz="2800" dirty="0" smtClean="0"/>
-              <a:t>-Tracking</a:t>
-            </a:r>
-          </a:p>
-          <a:p>
-            <a:pPr lvl="1"/>
-            <a:r>
-              <a:rPr lang="de-DE" sz="2400" dirty="0" err="1" smtClean="0"/>
-              <a:t>Measure</a:t>
-            </a:r>
-            <a:r>
-              <a:rPr lang="de-DE" sz="2400" dirty="0" smtClean="0"/>
-              <a:t> time </a:t>
-            </a:r>
-            <a:r>
-              <a:rPr lang="de-DE" sz="2400" dirty="0" err="1" smtClean="0"/>
-              <a:t>and</a:t>
-            </a:r>
-            <a:r>
-              <a:rPr lang="de-DE" sz="2400" dirty="0" smtClean="0"/>
-              <a:t> </a:t>
-            </a:r>
-            <a:r>
-              <a:rPr lang="de-DE" sz="2400" dirty="0" err="1" smtClean="0"/>
-              <a:t>assign</a:t>
-            </a:r>
-            <a:r>
-              <a:rPr lang="de-DE" sz="2400" dirty="0" smtClean="0"/>
-              <a:t> </a:t>
-            </a:r>
-            <a:r>
-              <a:rPr lang="de-DE" sz="2400" dirty="0" err="1" smtClean="0"/>
-              <a:t>to</a:t>
-            </a:r>
-            <a:r>
-              <a:rPr lang="de-DE" sz="2400" dirty="0" smtClean="0"/>
-              <a:t> </a:t>
-            </a:r>
-            <a:r>
-              <a:rPr lang="de-DE" sz="2400" dirty="0" err="1" smtClean="0"/>
-              <a:t>tickets</a:t>
-            </a:r>
-            <a:endParaRPr lang="de-DE" sz="2400" dirty="0" smtClean="0"/>
-          </a:p>
-          <a:p>
-            <a:pPr lvl="1"/>
-            <a:r>
-              <a:rPr lang="de-DE" sz="2400" dirty="0" err="1" smtClean="0"/>
-              <a:t>Automatically</a:t>
-            </a:r>
-            <a:r>
-              <a:rPr lang="de-DE" sz="2400" dirty="0" smtClean="0"/>
-              <a:t> </a:t>
-            </a:r>
-            <a:r>
-              <a:rPr lang="de-DE" sz="2400" dirty="0" err="1" smtClean="0"/>
-              <a:t>create</a:t>
-            </a:r>
-            <a:r>
-              <a:rPr lang="de-DE" sz="2400" dirty="0" smtClean="0"/>
-              <a:t> </a:t>
-            </a:r>
-            <a:r>
-              <a:rPr lang="de-DE" sz="2400" dirty="0" err="1" smtClean="0"/>
-              <a:t>tickets</a:t>
-            </a:r>
-            <a:r>
-              <a:rPr lang="de-DE" sz="2400" dirty="0" smtClean="0"/>
-              <a:t> </a:t>
-            </a:r>
-            <a:r>
-              <a:rPr lang="de-DE" sz="2400" dirty="0" err="1" smtClean="0"/>
-              <a:t>while</a:t>
-            </a:r>
-            <a:r>
-              <a:rPr lang="de-DE" sz="2400" dirty="0" smtClean="0"/>
-              <a:t> </a:t>
-            </a:r>
-            <a:r>
-              <a:rPr lang="de-DE" sz="2400" dirty="0" err="1" smtClean="0"/>
-              <a:t>coding</a:t>
-            </a:r>
-            <a:endParaRPr lang="en-GB" sz="2400" dirty="0"/>
           </a:p>
         </p:txBody>
       </p:sp>

--- a/seminar/presentation/mps.pptx
+++ b/seminar/presentation/mps.pptx
@@ -1385,7 +1385,7 @@
 </file>
 
 <file path=ppt/slideLayouts/slideLayout1.xml><?xml version="1.0" encoding="utf-8"?>
-<p:sldLayout xmlns:a="http://schemas.openxmlformats.org/drawingml/2006/main" xmlns:r="http://schemas.openxmlformats.org/officeDocument/2006/relationships" xmlns:p="http://schemas.openxmlformats.org/presentationml/2006/main" type="title" preserve="1">
+<p:sldLayout xmlns:a="http://schemas.openxmlformats.org/drawingml/2006/main" xmlns:r="http://schemas.openxmlformats.org/officeDocument/2006/relationships" xmlns:p="http://schemas.openxmlformats.org/presentationml/2006/main" showMasterSp="0" type="title" preserve="1">
   <p:cSld name="Title Slide">
     <p:spTree>
       <p:nvGrpSpPr>
@@ -1565,7 +1565,7 @@
           <a:p>
             <a:fld id="{483B2EB1-97C2-49F7-AADC-49C8FCF69781}" type="datetimeFigureOut">
               <a:rPr lang="en-GB" smtClean="0"/>
-              <a:t>14/05/2012</a:t>
+              <a:t>15/05/2012</a:t>
             </a:fld>
             <a:endParaRPr lang="en-GB"/>
           </a:p>
@@ -1626,7 +1626,7 @@
 </file>
 
 <file path=ppt/slideLayouts/slideLayout10.xml><?xml version="1.0" encoding="utf-8"?>
-<p:sldLayout xmlns:a="http://schemas.openxmlformats.org/drawingml/2006/main" xmlns:r="http://schemas.openxmlformats.org/officeDocument/2006/relationships" xmlns:p="http://schemas.openxmlformats.org/presentationml/2006/main" type="vertTx" preserve="1">
+<p:sldLayout xmlns:a="http://schemas.openxmlformats.org/drawingml/2006/main" xmlns:r="http://schemas.openxmlformats.org/officeDocument/2006/relationships" xmlns:p="http://schemas.openxmlformats.org/presentationml/2006/main" showMasterSp="0" type="vertTx" preserve="1">
   <p:cSld name="Title and Vertical Text">
     <p:spTree>
       <p:nvGrpSpPr>
@@ -1734,7 +1734,7 @@
           <a:p>
             <a:fld id="{483B2EB1-97C2-49F7-AADC-49C8FCF69781}" type="datetimeFigureOut">
               <a:rPr lang="en-GB" smtClean="0"/>
-              <a:t>14/05/2012</a:t>
+              <a:t>15/05/2012</a:t>
             </a:fld>
             <a:endParaRPr lang="en-GB"/>
           </a:p>
@@ -1795,7 +1795,7 @@
 </file>
 
 <file path=ppt/slideLayouts/slideLayout11.xml><?xml version="1.0" encoding="utf-8"?>
-<p:sldLayout xmlns:a="http://schemas.openxmlformats.org/drawingml/2006/main" xmlns:r="http://schemas.openxmlformats.org/officeDocument/2006/relationships" xmlns:p="http://schemas.openxmlformats.org/presentationml/2006/main" type="vertTitleAndTx" preserve="1">
+<p:sldLayout xmlns:a="http://schemas.openxmlformats.org/drawingml/2006/main" xmlns:r="http://schemas.openxmlformats.org/officeDocument/2006/relationships" xmlns:p="http://schemas.openxmlformats.org/presentationml/2006/main" showMasterSp="0" type="vertTitleAndTx" preserve="1">
   <p:cSld name="Vertical Title and Text">
     <p:spTree>
       <p:nvGrpSpPr>
@@ -1913,7 +1913,7 @@
           <a:p>
             <a:fld id="{483B2EB1-97C2-49F7-AADC-49C8FCF69781}" type="datetimeFigureOut">
               <a:rPr lang="en-GB" smtClean="0"/>
-              <a:t>14/05/2012</a:t>
+              <a:t>15/05/2012</a:t>
             </a:fld>
             <a:endParaRPr lang="en-GB"/>
           </a:p>
@@ -1974,7 +1974,7 @@
 </file>
 
 <file path=ppt/slideLayouts/slideLayout12.xml><?xml version="1.0" encoding="utf-8"?>
-<p:sldLayout xmlns:a="http://schemas.openxmlformats.org/drawingml/2006/main" xmlns:r="http://schemas.openxmlformats.org/officeDocument/2006/relationships" xmlns:p="http://schemas.openxmlformats.org/presentationml/2006/main">
+<p:sldLayout xmlns:a="http://schemas.openxmlformats.org/drawingml/2006/main" xmlns:r="http://schemas.openxmlformats.org/officeDocument/2006/relationships" xmlns:p="http://schemas.openxmlformats.org/presentationml/2006/main" showMasterSp="0">
   <p:cSld name="Custom Layout">
     <p:spTree>
       <p:nvGrpSpPr>
@@ -2065,7 +2065,7 @@
 </file>
 
 <file path=ppt/slideLayouts/slideLayout13.xml><?xml version="1.0" encoding="utf-8"?>
-<p:sldLayout xmlns:a="http://schemas.openxmlformats.org/drawingml/2006/main" xmlns:r="http://schemas.openxmlformats.org/officeDocument/2006/relationships" xmlns:p="http://schemas.openxmlformats.org/presentationml/2006/main" type="title" preserve="1">
+<p:sldLayout xmlns:a="http://schemas.openxmlformats.org/drawingml/2006/main" xmlns:r="http://schemas.openxmlformats.org/officeDocument/2006/relationships" xmlns:p="http://schemas.openxmlformats.org/presentationml/2006/main" showMasterSp="0" type="title" preserve="1">
   <p:cSld name="Title Slide">
     <p:spTree>
       <p:nvGrpSpPr>
@@ -2313,7 +2313,7 @@
 </file>
 
 <file path=ppt/slideLayouts/slideLayout14.xml><?xml version="1.0" encoding="utf-8"?>
-<p:sldLayout xmlns:a="http://schemas.openxmlformats.org/drawingml/2006/main" xmlns:r="http://schemas.openxmlformats.org/officeDocument/2006/relationships" xmlns:p="http://schemas.openxmlformats.org/presentationml/2006/main" type="obj" preserve="1">
+<p:sldLayout xmlns:a="http://schemas.openxmlformats.org/drawingml/2006/main" xmlns:r="http://schemas.openxmlformats.org/officeDocument/2006/relationships" xmlns:p="http://schemas.openxmlformats.org/presentationml/2006/main" showMasterSp="0" type="obj" preserve="1">
   <p:cSld name="Title and Content">
     <p:spTree>
       <p:nvGrpSpPr>
@@ -2489,7 +2489,7 @@
 </file>
 
 <file path=ppt/slideLayouts/slideLayout15.xml><?xml version="1.0" encoding="utf-8"?>
-<p:sldLayout xmlns:a="http://schemas.openxmlformats.org/drawingml/2006/main" xmlns:r="http://schemas.openxmlformats.org/officeDocument/2006/relationships" xmlns:p="http://schemas.openxmlformats.org/presentationml/2006/main" type="secHead" preserve="1">
+<p:sldLayout xmlns:a="http://schemas.openxmlformats.org/drawingml/2006/main" xmlns:r="http://schemas.openxmlformats.org/officeDocument/2006/relationships" xmlns:p="http://schemas.openxmlformats.org/presentationml/2006/main" showMasterSp="0" type="secHead" preserve="1">
   <p:cSld name="Section Header">
     <p:spTree>
       <p:nvGrpSpPr>
@@ -2741,7 +2741,7 @@
 </file>
 
 <file path=ppt/slideLayouts/slideLayout16.xml><?xml version="1.0" encoding="utf-8"?>
-<p:sldLayout xmlns:a="http://schemas.openxmlformats.org/drawingml/2006/main" xmlns:r="http://schemas.openxmlformats.org/officeDocument/2006/relationships" xmlns:p="http://schemas.openxmlformats.org/presentationml/2006/main" type="twoObj" preserve="1">
+<p:sldLayout xmlns:a="http://schemas.openxmlformats.org/drawingml/2006/main" xmlns:r="http://schemas.openxmlformats.org/officeDocument/2006/relationships" xmlns:p="http://schemas.openxmlformats.org/presentationml/2006/main" showMasterSp="0" type="twoObj" preserve="1">
   <p:cSld name="Two Content">
     <p:spTree>
       <p:nvGrpSpPr>
@@ -3035,7 +3035,7 @@
 </file>
 
 <file path=ppt/slideLayouts/slideLayout17.xml><?xml version="1.0" encoding="utf-8"?>
-<p:sldLayout xmlns:a="http://schemas.openxmlformats.org/drawingml/2006/main" xmlns:r="http://schemas.openxmlformats.org/officeDocument/2006/relationships" xmlns:p="http://schemas.openxmlformats.org/presentationml/2006/main" type="twoTxTwoObj" preserve="1">
+<p:sldLayout xmlns:a="http://schemas.openxmlformats.org/drawingml/2006/main" xmlns:r="http://schemas.openxmlformats.org/officeDocument/2006/relationships" xmlns:p="http://schemas.openxmlformats.org/presentationml/2006/main" showMasterSp="0" type="twoTxTwoObj" preserve="1">
   <p:cSld name="Comparison">
     <p:spTree>
       <p:nvGrpSpPr>
@@ -3468,7 +3468,7 @@
 </file>
 
 <file path=ppt/slideLayouts/slideLayout18.xml><?xml version="1.0" encoding="utf-8"?>
-<p:sldLayout xmlns:a="http://schemas.openxmlformats.org/drawingml/2006/main" xmlns:r="http://schemas.openxmlformats.org/officeDocument/2006/relationships" xmlns:p="http://schemas.openxmlformats.org/presentationml/2006/main" type="titleOnly" preserve="1">
+<p:sldLayout xmlns:a="http://schemas.openxmlformats.org/drawingml/2006/main" xmlns:r="http://schemas.openxmlformats.org/officeDocument/2006/relationships" xmlns:p="http://schemas.openxmlformats.org/presentationml/2006/main" showMasterSp="0" type="titleOnly" preserve="1">
   <p:cSld name="Title Only">
     <p:spTree>
       <p:nvGrpSpPr>
@@ -3592,7 +3592,7 @@
 </file>
 
 <file path=ppt/slideLayouts/slideLayout19.xml><?xml version="1.0" encoding="utf-8"?>
-<p:sldLayout xmlns:a="http://schemas.openxmlformats.org/drawingml/2006/main" xmlns:r="http://schemas.openxmlformats.org/officeDocument/2006/relationships" xmlns:p="http://schemas.openxmlformats.org/presentationml/2006/main" type="blank" preserve="1">
+<p:sldLayout xmlns:a="http://schemas.openxmlformats.org/drawingml/2006/main" xmlns:r="http://schemas.openxmlformats.org/officeDocument/2006/relationships" xmlns:p="http://schemas.openxmlformats.org/presentationml/2006/main" showMasterSp="0" type="blank" preserve="1">
   <p:cSld name="Blank">
     <p:spTree>
       <p:nvGrpSpPr>
@@ -3694,7 +3694,7 @@
 </file>
 
 <file path=ppt/slideLayouts/slideLayout2.xml><?xml version="1.0" encoding="utf-8"?>
-<p:sldLayout xmlns:a="http://schemas.openxmlformats.org/drawingml/2006/main" xmlns:r="http://schemas.openxmlformats.org/officeDocument/2006/relationships" xmlns:p="http://schemas.openxmlformats.org/presentationml/2006/main" type="obj" preserve="1">
+<p:sldLayout xmlns:a="http://schemas.openxmlformats.org/drawingml/2006/main" xmlns:r="http://schemas.openxmlformats.org/officeDocument/2006/relationships" xmlns:p="http://schemas.openxmlformats.org/presentationml/2006/main" showMasterSp="0" type="obj" preserve="1">
   <p:cSld name="Title and Content">
     <p:spTree>
       <p:nvGrpSpPr>
@@ -3802,7 +3802,7 @@
           <a:p>
             <a:fld id="{483B2EB1-97C2-49F7-AADC-49C8FCF69781}" type="datetimeFigureOut">
               <a:rPr lang="en-GB" smtClean="0"/>
-              <a:t>14/05/2012</a:t>
+              <a:t>15/05/2012</a:t>
             </a:fld>
             <a:endParaRPr lang="en-GB"/>
           </a:p>
@@ -3863,7 +3863,7 @@
 </file>
 
 <file path=ppt/slideLayouts/slideLayout20.xml><?xml version="1.0" encoding="utf-8"?>
-<p:sldLayout xmlns:a="http://schemas.openxmlformats.org/drawingml/2006/main" xmlns:r="http://schemas.openxmlformats.org/officeDocument/2006/relationships" xmlns:p="http://schemas.openxmlformats.org/presentationml/2006/main" type="objTx" preserve="1">
+<p:sldLayout xmlns:a="http://schemas.openxmlformats.org/drawingml/2006/main" xmlns:r="http://schemas.openxmlformats.org/officeDocument/2006/relationships" xmlns:p="http://schemas.openxmlformats.org/presentationml/2006/main" showMasterSp="0" type="objTx" preserve="1">
   <p:cSld name="Content with Caption">
     <p:spTree>
       <p:nvGrpSpPr>
@@ -4146,7 +4146,7 @@
 </file>
 
 <file path=ppt/slideLayouts/slideLayout21.xml><?xml version="1.0" encoding="utf-8"?>
-<p:sldLayout xmlns:a="http://schemas.openxmlformats.org/drawingml/2006/main" xmlns:r="http://schemas.openxmlformats.org/officeDocument/2006/relationships" xmlns:p="http://schemas.openxmlformats.org/presentationml/2006/main" type="picTx" preserve="1">
+<p:sldLayout xmlns:a="http://schemas.openxmlformats.org/drawingml/2006/main" xmlns:r="http://schemas.openxmlformats.org/officeDocument/2006/relationships" xmlns:p="http://schemas.openxmlformats.org/presentationml/2006/main" showMasterSp="0" type="picTx" preserve="1">
   <p:cSld name="Picture with Caption">
     <p:spTree>
       <p:nvGrpSpPr>
@@ -4405,7 +4405,7 @@
 </file>
 
 <file path=ppt/slideLayouts/slideLayout22.xml><?xml version="1.0" encoding="utf-8"?>
-<p:sldLayout xmlns:a="http://schemas.openxmlformats.org/drawingml/2006/main" xmlns:r="http://schemas.openxmlformats.org/officeDocument/2006/relationships" xmlns:p="http://schemas.openxmlformats.org/presentationml/2006/main" type="vertTx" preserve="1">
+<p:sldLayout xmlns:a="http://schemas.openxmlformats.org/drawingml/2006/main" xmlns:r="http://schemas.openxmlformats.org/officeDocument/2006/relationships" xmlns:p="http://schemas.openxmlformats.org/presentationml/2006/main" showMasterSp="0" type="vertTx" preserve="1">
   <p:cSld name="Title and Vertical Text">
     <p:spTree>
       <p:nvGrpSpPr>
@@ -4581,7 +4581,7 @@
 </file>
 
 <file path=ppt/slideLayouts/slideLayout23.xml><?xml version="1.0" encoding="utf-8"?>
-<p:sldLayout xmlns:a="http://schemas.openxmlformats.org/drawingml/2006/main" xmlns:r="http://schemas.openxmlformats.org/officeDocument/2006/relationships" xmlns:p="http://schemas.openxmlformats.org/presentationml/2006/main" type="vertTitleAndTx" preserve="1">
+<p:sldLayout xmlns:a="http://schemas.openxmlformats.org/drawingml/2006/main" xmlns:r="http://schemas.openxmlformats.org/officeDocument/2006/relationships" xmlns:p="http://schemas.openxmlformats.org/presentationml/2006/main" showMasterSp="0" type="vertTitleAndTx" preserve="1">
   <p:cSld name="Vertical Title and Text">
     <p:spTree>
       <p:nvGrpSpPr>
@@ -4767,7 +4767,7 @@
 </file>
 
 <file path=ppt/slideLayouts/slideLayout3.xml><?xml version="1.0" encoding="utf-8"?>
-<p:sldLayout xmlns:a="http://schemas.openxmlformats.org/drawingml/2006/main" xmlns:r="http://schemas.openxmlformats.org/officeDocument/2006/relationships" xmlns:p="http://schemas.openxmlformats.org/presentationml/2006/main" type="secHead" preserve="1">
+<p:sldLayout xmlns:a="http://schemas.openxmlformats.org/drawingml/2006/main" xmlns:r="http://schemas.openxmlformats.org/officeDocument/2006/relationships" xmlns:p="http://schemas.openxmlformats.org/presentationml/2006/main" showMasterSp="0" type="secHead" preserve="1">
   <p:cSld name="Section Header">
     <p:spTree>
       <p:nvGrpSpPr>
@@ -4951,7 +4951,7 @@
           <a:p>
             <a:fld id="{483B2EB1-97C2-49F7-AADC-49C8FCF69781}" type="datetimeFigureOut">
               <a:rPr lang="en-GB" smtClean="0"/>
-              <a:t>14/05/2012</a:t>
+              <a:t>15/05/2012</a:t>
             </a:fld>
             <a:endParaRPr lang="en-GB"/>
           </a:p>
@@ -5012,7 +5012,7 @@
 </file>
 
 <file path=ppt/slideLayouts/slideLayout4.xml><?xml version="1.0" encoding="utf-8"?>
-<p:sldLayout xmlns:a="http://schemas.openxmlformats.org/drawingml/2006/main" xmlns:r="http://schemas.openxmlformats.org/officeDocument/2006/relationships" xmlns:p="http://schemas.openxmlformats.org/presentationml/2006/main" type="twoObj" preserve="1">
+<p:sldLayout xmlns:a="http://schemas.openxmlformats.org/drawingml/2006/main" xmlns:r="http://schemas.openxmlformats.org/officeDocument/2006/relationships" xmlns:p="http://schemas.openxmlformats.org/presentationml/2006/main" showMasterSp="0" type="twoObj" preserve="1">
   <p:cSld name="Two Content">
     <p:spTree>
       <p:nvGrpSpPr>
@@ -5238,7 +5238,7 @@
           <a:p>
             <a:fld id="{483B2EB1-97C2-49F7-AADC-49C8FCF69781}" type="datetimeFigureOut">
               <a:rPr lang="en-GB" smtClean="0"/>
-              <a:t>14/05/2012</a:t>
+              <a:t>15/05/2012</a:t>
             </a:fld>
             <a:endParaRPr lang="en-GB"/>
           </a:p>
@@ -5299,7 +5299,7 @@
 </file>
 
 <file path=ppt/slideLayouts/slideLayout5.xml><?xml version="1.0" encoding="utf-8"?>
-<p:sldLayout xmlns:a="http://schemas.openxmlformats.org/drawingml/2006/main" xmlns:r="http://schemas.openxmlformats.org/officeDocument/2006/relationships" xmlns:p="http://schemas.openxmlformats.org/presentationml/2006/main" type="twoTxTwoObj" preserve="1">
+<p:sldLayout xmlns:a="http://schemas.openxmlformats.org/drawingml/2006/main" xmlns:r="http://schemas.openxmlformats.org/officeDocument/2006/relationships" xmlns:p="http://schemas.openxmlformats.org/presentationml/2006/main" showMasterSp="0" type="twoTxTwoObj" preserve="1">
   <p:cSld name="Comparison">
     <p:spTree>
       <p:nvGrpSpPr>
@@ -5659,7 +5659,7 @@
           <a:p>
             <a:fld id="{483B2EB1-97C2-49F7-AADC-49C8FCF69781}" type="datetimeFigureOut">
               <a:rPr lang="en-GB" smtClean="0"/>
-              <a:t>14/05/2012</a:t>
+              <a:t>15/05/2012</a:t>
             </a:fld>
             <a:endParaRPr lang="en-GB"/>
           </a:p>
@@ -5720,7 +5720,7 @@
 </file>
 
 <file path=ppt/slideLayouts/slideLayout6.xml><?xml version="1.0" encoding="utf-8"?>
-<p:sldLayout xmlns:a="http://schemas.openxmlformats.org/drawingml/2006/main" xmlns:r="http://schemas.openxmlformats.org/officeDocument/2006/relationships" xmlns:p="http://schemas.openxmlformats.org/presentationml/2006/main" type="titleOnly" preserve="1">
+<p:sldLayout xmlns:a="http://schemas.openxmlformats.org/drawingml/2006/main" xmlns:r="http://schemas.openxmlformats.org/officeDocument/2006/relationships" xmlns:p="http://schemas.openxmlformats.org/presentationml/2006/main" showMasterSp="0" type="titleOnly" preserve="1">
   <p:cSld name="Title Only">
     <p:spTree>
       <p:nvGrpSpPr>
@@ -5776,7 +5776,7 @@
           <a:p>
             <a:fld id="{483B2EB1-97C2-49F7-AADC-49C8FCF69781}" type="datetimeFigureOut">
               <a:rPr lang="en-GB" smtClean="0"/>
-              <a:t>14/05/2012</a:t>
+              <a:t>15/05/2012</a:t>
             </a:fld>
             <a:endParaRPr lang="en-GB"/>
           </a:p>
@@ -5837,7 +5837,7 @@
 </file>
 
 <file path=ppt/slideLayouts/slideLayout7.xml><?xml version="1.0" encoding="utf-8"?>
-<p:sldLayout xmlns:a="http://schemas.openxmlformats.org/drawingml/2006/main" xmlns:r="http://schemas.openxmlformats.org/officeDocument/2006/relationships" xmlns:p="http://schemas.openxmlformats.org/presentationml/2006/main" type="blank" preserve="1">
+<p:sldLayout xmlns:a="http://schemas.openxmlformats.org/drawingml/2006/main" xmlns:r="http://schemas.openxmlformats.org/officeDocument/2006/relationships" xmlns:p="http://schemas.openxmlformats.org/presentationml/2006/main" showMasterSp="0" type="blank" preserve="1">
   <p:cSld name="Blank">
     <p:spTree>
       <p:nvGrpSpPr>
@@ -5870,7 +5870,7 @@
           <a:p>
             <a:fld id="{483B2EB1-97C2-49F7-AADC-49C8FCF69781}" type="datetimeFigureOut">
               <a:rPr lang="en-GB" smtClean="0"/>
-              <a:t>14/05/2012</a:t>
+              <a:t>15/05/2012</a:t>
             </a:fld>
             <a:endParaRPr lang="en-GB"/>
           </a:p>
@@ -5932,7 +5932,7 @@
 </file>
 
 <file path=ppt/slideLayouts/slideLayout8.xml><?xml version="1.0" encoding="utf-8"?>
-<p:sldLayout xmlns:a="http://schemas.openxmlformats.org/drawingml/2006/main" xmlns:r="http://schemas.openxmlformats.org/officeDocument/2006/relationships" xmlns:p="http://schemas.openxmlformats.org/presentationml/2006/main" type="objTx" preserve="1">
+<p:sldLayout xmlns:a="http://schemas.openxmlformats.org/drawingml/2006/main" xmlns:r="http://schemas.openxmlformats.org/officeDocument/2006/relationships" xmlns:p="http://schemas.openxmlformats.org/presentationml/2006/main" showMasterSp="0" type="objTx" preserve="1">
   <p:cSld name="Content with Caption">
     <p:spTree>
       <p:nvGrpSpPr>
@@ -6147,7 +6147,7 @@
           <a:p>
             <a:fld id="{483B2EB1-97C2-49F7-AADC-49C8FCF69781}" type="datetimeFigureOut">
               <a:rPr lang="en-GB" smtClean="0"/>
-              <a:t>14/05/2012</a:t>
+              <a:t>15/05/2012</a:t>
             </a:fld>
             <a:endParaRPr lang="en-GB"/>
           </a:p>
@@ -6208,7 +6208,7 @@
 </file>
 
 <file path=ppt/slideLayouts/slideLayout9.xml><?xml version="1.0" encoding="utf-8"?>
-<p:sldLayout xmlns:a="http://schemas.openxmlformats.org/drawingml/2006/main" xmlns:r="http://schemas.openxmlformats.org/officeDocument/2006/relationships" xmlns:p="http://schemas.openxmlformats.org/presentationml/2006/main" type="picTx" preserve="1">
+<p:sldLayout xmlns:a="http://schemas.openxmlformats.org/drawingml/2006/main" xmlns:r="http://schemas.openxmlformats.org/officeDocument/2006/relationships" xmlns:p="http://schemas.openxmlformats.org/presentationml/2006/main" showMasterSp="0" type="picTx" preserve="1">
   <p:cSld name="Picture with Caption">
     <p:spTree>
       <p:nvGrpSpPr>
@@ -6399,7 +6399,7 @@
           <a:p>
             <a:fld id="{483B2EB1-97C2-49F7-AADC-49C8FCF69781}" type="datetimeFigureOut">
               <a:rPr lang="en-GB" smtClean="0"/>
-              <a:t>14/05/2012</a:t>
+              <a:t>15/05/2012</a:t>
             </a:fld>
             <a:endParaRPr lang="en-GB"/>
           </a:p>
@@ -6463,9 +6463,18 @@
 <p:sldMaster xmlns:a="http://schemas.openxmlformats.org/drawingml/2006/main" xmlns:r="http://schemas.openxmlformats.org/officeDocument/2006/relationships" xmlns:p="http://schemas.openxmlformats.org/presentationml/2006/main">
   <p:cSld>
     <p:bg>
-      <p:bgRef idx="1001">
-        <a:schemeClr val="bg1"/>
-      </p:bgRef>
+      <p:bgPr>
+        <a:blipFill dpi="0" rotWithShape="1">
+          <a:blip r:embed="rId14">
+            <a:lum/>
+          </a:blip>
+          <a:srcRect/>
+          <a:stretch>
+            <a:fillRect l="89000" t="1000" r="1000" b="91000"/>
+          </a:stretch>
+        </a:blipFill>
+        <a:effectLst/>
+      </p:bgPr>
     </p:bg>
     <p:spTree>
       <p:nvGrpSpPr>
@@ -6611,7 +6620,7 @@
           <a:p>
             <a:fld id="{483B2EB1-97C2-49F7-AADC-49C8FCF69781}" type="datetimeFigureOut">
               <a:rPr lang="en-GB" smtClean="0"/>
-              <a:t>14/05/2012</a:t>
+              <a:t>15/05/2012</a:t>
             </a:fld>
             <a:endParaRPr lang="en-GB"/>
           </a:p>
@@ -6724,7 +6733,15 @@
   <p:cSld>
     <p:bg>
       <p:bgPr>
-        <a:noFill/>
+        <a:blipFill dpi="0" rotWithShape="1">
+          <a:blip r:embed="rId14">
+            <a:lum/>
+          </a:blip>
+          <a:srcRect/>
+          <a:stretch>
+            <a:fillRect l="89000" t="1000" r="1000" b="91000"/>
+          </a:stretch>
+        </a:blipFill>
         <a:effectLst/>
       </p:bgPr>
     </p:bg>
@@ -7222,12 +7239,12 @@
           <a:graphicData uri="http://schemas.openxmlformats.org/presentationml/2006/ole">
             <mc:AlternateContent xmlns:mc="http://schemas.openxmlformats.org/markup-compatibility/2006">
               <mc:Choice xmlns:v="urn:schemas-microsoft-com:vml" Requires="v">
-                <p:oleObj spid="_x0000_s2090" r:id="rId14" imgW="3221337" imgH="1845301" progId="">
+                <p:oleObj spid="_x0000_s2091" r:id="rId15" imgW="3221337" imgH="1845301" progId="">
                   <p:embed/>
                 </p:oleObj>
               </mc:Choice>
               <mc:Fallback>
-                <p:oleObj r:id="rId14" imgW="3221337" imgH="1845301" progId="">
+                <p:oleObj r:id="rId15" imgW="3221337" imgH="1845301" progId="">
                   <p:embed/>
                   <p:pic>
                     <p:nvPicPr>
@@ -7236,7 +7253,7 @@
                       <p:nvPr/>
                     </p:nvPicPr>
                     <p:blipFill>
-                      <a:blip r:embed="rId15"/>
+                      <a:blip r:embed="rId16"/>
                       <a:stretch>
                         <a:fillRect/>
                       </a:stretch>
@@ -7328,7 +7345,7 @@
 </file>
 
 <file path=ppt/slides/slide1.xml><?xml version="1.0" encoding="utf-8"?>
-<p:sld xmlns:a="http://schemas.openxmlformats.org/drawingml/2006/main" xmlns:r="http://schemas.openxmlformats.org/officeDocument/2006/relationships" xmlns:p="http://schemas.openxmlformats.org/presentationml/2006/main">
+<p:sld xmlns:a="http://schemas.openxmlformats.org/drawingml/2006/main" xmlns:r="http://schemas.openxmlformats.org/officeDocument/2006/relationships" xmlns:p="http://schemas.openxmlformats.org/presentationml/2006/main" showMasterSp="0">
   <p:cSld>
     <p:spTree>
       <p:nvGrpSpPr>
@@ -7666,7 +7683,7 @@
 </file>
 
 <file path=ppt/slides/slide2.xml><?xml version="1.0" encoding="utf-8"?>
-<p:sld xmlns:a="http://schemas.openxmlformats.org/drawingml/2006/main" xmlns:r="http://schemas.openxmlformats.org/officeDocument/2006/relationships" xmlns:p="http://schemas.openxmlformats.org/presentationml/2006/main" show="0">
+<p:sld xmlns:a="http://schemas.openxmlformats.org/drawingml/2006/main" xmlns:r="http://schemas.openxmlformats.org/officeDocument/2006/relationships" xmlns:p="http://schemas.openxmlformats.org/presentationml/2006/main" showMasterSp="0" show="0">
   <p:cSld>
     <p:spTree>
       <p:nvGrpSpPr>
@@ -8129,7 +8146,7 @@
 </file>
 
 <file path=ppt/slides/slide3.xml><?xml version="1.0" encoding="utf-8"?>
-<p:sld xmlns:a="http://schemas.openxmlformats.org/drawingml/2006/main" xmlns:r="http://schemas.openxmlformats.org/officeDocument/2006/relationships" xmlns:p="http://schemas.openxmlformats.org/presentationml/2006/main">
+<p:sld xmlns:a="http://schemas.openxmlformats.org/drawingml/2006/main" xmlns:r="http://schemas.openxmlformats.org/officeDocument/2006/relationships" xmlns:p="http://schemas.openxmlformats.org/presentationml/2006/main" showMasterSp="0">
   <p:cSld>
     <p:spTree>
       <p:nvGrpSpPr>
@@ -8319,8 +8336,8 @@
         </p:nvSpPr>
         <p:spPr>
           <a:xfrm>
-            <a:off x="457200" y="1077840"/>
-            <a:ext cx="3610744" cy="5303488"/>
+            <a:off x="457200" y="1484784"/>
+            <a:ext cx="3610744" cy="4032448"/>
           </a:xfrm>
         </p:spPr>
         <p:txBody>
@@ -8571,8 +8588,8 @@
         </p:nvSpPr>
         <p:spPr>
           <a:xfrm>
-            <a:off x="4561656" y="1077840"/>
-            <a:ext cx="3898776" cy="5303488"/>
+            <a:off x="4561656" y="1484784"/>
+            <a:ext cx="3898776" cy="4032448"/>
           </a:xfrm>
           <a:prstGeom prst="rect">
             <a:avLst/>
@@ -8888,8 +8905,8 @@
         </p:nvCxnSpPr>
         <p:spPr>
           <a:xfrm>
-            <a:off x="4355976" y="1077840"/>
-            <a:ext cx="0" cy="4655416"/>
+            <a:off x="4320000" y="1224000"/>
+            <a:ext cx="0" cy="3863328"/>
           </a:xfrm>
           <a:prstGeom prst="line">
             <a:avLst/>
@@ -8939,7 +8956,7 @@
 </file>
 
 <file path=ppt/slides/slide4.xml><?xml version="1.0" encoding="utf-8"?>
-<p:sld xmlns:a="http://schemas.openxmlformats.org/drawingml/2006/main" xmlns:r="http://schemas.openxmlformats.org/officeDocument/2006/relationships" xmlns:p="http://schemas.openxmlformats.org/presentationml/2006/main">
+<p:sld xmlns:a="http://schemas.openxmlformats.org/drawingml/2006/main" xmlns:r="http://schemas.openxmlformats.org/officeDocument/2006/relationships" xmlns:p="http://schemas.openxmlformats.org/presentationml/2006/main" showMasterSp="0">
   <p:cSld>
     <p:spTree>
       <p:nvGrpSpPr>
@@ -9504,7 +9521,7 @@
 </file>
 
 <file path=ppt/slides/slide5.xml><?xml version="1.0" encoding="utf-8"?>
-<p:sld xmlns:a="http://schemas.openxmlformats.org/drawingml/2006/main" xmlns:r="http://schemas.openxmlformats.org/officeDocument/2006/relationships" xmlns:p="http://schemas.openxmlformats.org/presentationml/2006/main">
+<p:sld xmlns:a="http://schemas.openxmlformats.org/drawingml/2006/main" xmlns:r="http://schemas.openxmlformats.org/officeDocument/2006/relationships" xmlns:p="http://schemas.openxmlformats.org/presentationml/2006/main" showMasterSp="0">
   <p:cSld>
     <p:spTree>
       <p:nvGrpSpPr>
@@ -10300,7 +10317,7 @@
 </file>
 
 <file path=ppt/slides/slide6.xml><?xml version="1.0" encoding="utf-8"?>
-<p:sld xmlns:a="http://schemas.openxmlformats.org/drawingml/2006/main" xmlns:r="http://schemas.openxmlformats.org/officeDocument/2006/relationships" xmlns:p="http://schemas.openxmlformats.org/presentationml/2006/main">
+<p:sld xmlns:a="http://schemas.openxmlformats.org/drawingml/2006/main" xmlns:r="http://schemas.openxmlformats.org/officeDocument/2006/relationships" xmlns:p="http://schemas.openxmlformats.org/presentationml/2006/main" showMasterSp="0">
   <p:cSld>
     <p:spTree>
       <p:nvGrpSpPr>
@@ -11179,11 +11196,7 @@
             </a:r>
             <a:r>
               <a:rPr lang="de-DE" sz="2400" dirty="0" smtClean="0"/>
-              <a:t>, Tags, </a:t>
-            </a:r>
-            <a:r>
-              <a:rPr lang="de-DE" sz="2400" dirty="0" smtClean="0"/>
-              <a:t>…)</a:t>
+              <a:t>, Tags, …)</a:t>
             </a:r>
             <a:endParaRPr lang="en-GB" sz="2400" dirty="0" smtClean="0"/>
           </a:p>
